--- a/PSGAN_presentation.pptx
+++ b/PSGAN_presentation.pptx
@@ -5,7 +5,7 @@
     <p:sldMasterId id="2147483648" r:id="rId1"/>
   </p:sldMasterIdLst>
   <p:notesMasterIdLst>
-    <p:notesMasterId r:id="rId20"/>
+    <p:notesMasterId r:id="rId21"/>
   </p:notesMasterIdLst>
   <p:sldIdLst>
     <p:sldId id="256" r:id="rId2"/>
@@ -21,11 +21,12 @@
     <p:sldId id="276" r:id="rId12"/>
     <p:sldId id="270" r:id="rId13"/>
     <p:sldId id="265" r:id="rId14"/>
-    <p:sldId id="268" r:id="rId15"/>
-    <p:sldId id="267" r:id="rId16"/>
-    <p:sldId id="269" r:id="rId17"/>
-    <p:sldId id="266" r:id="rId18"/>
-    <p:sldId id="257" r:id="rId19"/>
+    <p:sldId id="277" r:id="rId15"/>
+    <p:sldId id="268" r:id="rId16"/>
+    <p:sldId id="267" r:id="rId17"/>
+    <p:sldId id="269" r:id="rId18"/>
+    <p:sldId id="266" r:id="rId19"/>
+    <p:sldId id="257" r:id="rId20"/>
   </p:sldIdLst>
   <p:sldSz cx="9144000" cy="6858000" type="screen4x3"/>
   <p:notesSz cx="6858000" cy="9144000"/>
@@ -209,7 +210,7 @@
           <a:p>
             <a:fld id="{534526BA-3377-4E53-83F6-CD0671152C62}" type="datetimeFigureOut">
               <a:rPr lang="zh-CN" altLang="en-US" smtClean="0"/>
-              <a:t>2018/11/11</a:t>
+              <a:t>2018/11/12</a:t>
             </a:fld>
             <a:endParaRPr lang="zh-CN" altLang="en-US"/>
           </a:p>
@@ -897,6 +898,90 @@
 </p:notes>
 </file>
 
+<file path=ppt/notesSlides/notesSlide6.xml><?xml version="1.0" encoding="utf-8"?>
+<p:notes xmlns:a="http://schemas.openxmlformats.org/drawingml/2006/main" xmlns:r="http://schemas.openxmlformats.org/officeDocument/2006/relationships" xmlns:p="http://schemas.openxmlformats.org/presentationml/2006/main">
+  <p:cSld>
+    <p:spTree>
+      <p:nvGrpSpPr>
+        <p:cNvPr id="1" name=""/>
+        <p:cNvGrpSpPr/>
+        <p:nvPr/>
+      </p:nvGrpSpPr>
+      <p:grpSpPr>
+        <a:xfrm>
+          <a:off x="0" y="0"/>
+          <a:ext cx="0" cy="0"/>
+          <a:chOff x="0" y="0"/>
+          <a:chExt cx="0" cy="0"/>
+        </a:xfrm>
+      </p:grpSpPr>
+      <p:sp>
+        <p:nvSpPr>
+          <p:cNvPr id="2" name="幻灯片图像占位符 1"/>
+          <p:cNvSpPr>
+            <a:spLocks noGrp="1" noRot="1" noChangeAspect="1"/>
+          </p:cNvSpPr>
+          <p:nvPr>
+            <p:ph type="sldImg"/>
+          </p:nvPr>
+        </p:nvSpPr>
+        <p:spPr/>
+      </p:sp>
+      <p:sp>
+        <p:nvSpPr>
+          <p:cNvPr id="3" name="备注占位符 2"/>
+          <p:cNvSpPr>
+            <a:spLocks noGrp="1"/>
+          </p:cNvSpPr>
+          <p:nvPr>
+            <p:ph type="body" idx="1"/>
+          </p:nvPr>
+        </p:nvSpPr>
+        <p:spPr/>
+        <p:txBody>
+          <a:bodyPr/>
+          <a:lstStyle/>
+          <a:p>
+            <a:endParaRPr lang="zh-CN" altLang="en-US" dirty="0"/>
+          </a:p>
+        </p:txBody>
+      </p:sp>
+      <p:sp>
+        <p:nvSpPr>
+          <p:cNvPr id="4" name="灯片编号占位符 3"/>
+          <p:cNvSpPr>
+            <a:spLocks noGrp="1"/>
+          </p:cNvSpPr>
+          <p:nvPr>
+            <p:ph type="sldNum" sz="quarter" idx="10"/>
+          </p:nvPr>
+        </p:nvSpPr>
+        <p:spPr/>
+        <p:txBody>
+          <a:bodyPr/>
+          <a:lstStyle/>
+          <a:p>
+            <a:fld id="{CFA6F044-F1DC-4560-8C6F-49A3493C619B}" type="slidenum">
+              <a:rPr lang="zh-CN" altLang="en-US" smtClean="0"/>
+              <a:t>18</a:t>
+            </a:fld>
+            <a:endParaRPr lang="zh-CN" altLang="en-US"/>
+          </a:p>
+        </p:txBody>
+      </p:sp>
+    </p:spTree>
+    <p:extLst>
+      <p:ext uri="{BB962C8B-B14F-4D97-AF65-F5344CB8AC3E}">
+        <p14:creationId xmlns:p14="http://schemas.microsoft.com/office/powerpoint/2010/main" val="2841045634"/>
+      </p:ext>
+    </p:extLst>
+  </p:cSld>
+  <p:clrMapOvr>
+    <a:masterClrMapping/>
+  </p:clrMapOvr>
+</p:notes>
+</file>
+
 <file path=ppt/slideLayouts/slideLayout1.xml><?xml version="1.0" encoding="utf-8"?>
 <p:sldLayout xmlns:a="http://schemas.openxmlformats.org/drawingml/2006/main" xmlns:r="http://schemas.openxmlformats.org/officeDocument/2006/relationships" xmlns:p="http://schemas.openxmlformats.org/presentationml/2006/main" type="title" preserve="1">
   <p:cSld name="标题幻灯片">
@@ -1078,7 +1163,7 @@
           <a:p>
             <a:fld id="{5D82EB2F-2E99-496E-9161-18C1518904B0}" type="datetimeFigureOut">
               <a:rPr lang="zh-CN" altLang="en-US" smtClean="0"/>
-              <a:t>2018/11/11</a:t>
+              <a:t>2018/11/12</a:t>
             </a:fld>
             <a:endParaRPr lang="zh-CN" altLang="en-US"/>
           </a:p>
@@ -1248,7 +1333,7 @@
           <a:p>
             <a:fld id="{5D82EB2F-2E99-496E-9161-18C1518904B0}" type="datetimeFigureOut">
               <a:rPr lang="zh-CN" altLang="en-US" smtClean="0"/>
-              <a:t>2018/11/11</a:t>
+              <a:t>2018/11/12</a:t>
             </a:fld>
             <a:endParaRPr lang="zh-CN" altLang="en-US"/>
           </a:p>
@@ -1428,7 +1513,7 @@
           <a:p>
             <a:fld id="{5D82EB2F-2E99-496E-9161-18C1518904B0}" type="datetimeFigureOut">
               <a:rPr lang="zh-CN" altLang="en-US" smtClean="0"/>
-              <a:t>2018/11/11</a:t>
+              <a:t>2018/11/12</a:t>
             </a:fld>
             <a:endParaRPr lang="zh-CN" altLang="en-US"/>
           </a:p>
@@ -1598,7 +1683,7 @@
           <a:p>
             <a:fld id="{5D82EB2F-2E99-496E-9161-18C1518904B0}" type="datetimeFigureOut">
               <a:rPr lang="zh-CN" altLang="en-US" smtClean="0"/>
-              <a:t>2018/11/11</a:t>
+              <a:t>2018/11/12</a:t>
             </a:fld>
             <a:endParaRPr lang="zh-CN" altLang="en-US"/>
           </a:p>
@@ -1844,7 +1929,7 @@
           <a:p>
             <a:fld id="{5D82EB2F-2E99-496E-9161-18C1518904B0}" type="datetimeFigureOut">
               <a:rPr lang="zh-CN" altLang="en-US" smtClean="0"/>
-              <a:t>2018/11/11</a:t>
+              <a:t>2018/11/12</a:t>
             </a:fld>
             <a:endParaRPr lang="zh-CN" altLang="en-US"/>
           </a:p>
@@ -2132,7 +2217,7 @@
           <a:p>
             <a:fld id="{5D82EB2F-2E99-496E-9161-18C1518904B0}" type="datetimeFigureOut">
               <a:rPr lang="zh-CN" altLang="en-US" smtClean="0"/>
-              <a:t>2018/11/11</a:t>
+              <a:t>2018/11/12</a:t>
             </a:fld>
             <a:endParaRPr lang="zh-CN" altLang="en-US"/>
           </a:p>
@@ -2554,7 +2639,7 @@
           <a:p>
             <a:fld id="{5D82EB2F-2E99-496E-9161-18C1518904B0}" type="datetimeFigureOut">
               <a:rPr lang="zh-CN" altLang="en-US" smtClean="0"/>
-              <a:t>2018/11/11</a:t>
+              <a:t>2018/11/12</a:t>
             </a:fld>
             <a:endParaRPr lang="zh-CN" altLang="en-US"/>
           </a:p>
@@ -2672,7 +2757,7 @@
           <a:p>
             <a:fld id="{5D82EB2F-2E99-496E-9161-18C1518904B0}" type="datetimeFigureOut">
               <a:rPr lang="zh-CN" altLang="en-US" smtClean="0"/>
-              <a:t>2018/11/11</a:t>
+              <a:t>2018/11/12</a:t>
             </a:fld>
             <a:endParaRPr lang="zh-CN" altLang="en-US"/>
           </a:p>
@@ -2767,7 +2852,7 @@
           <a:p>
             <a:fld id="{5D82EB2F-2E99-496E-9161-18C1518904B0}" type="datetimeFigureOut">
               <a:rPr lang="zh-CN" altLang="en-US" smtClean="0"/>
-              <a:t>2018/11/11</a:t>
+              <a:t>2018/11/12</a:t>
             </a:fld>
             <a:endParaRPr lang="zh-CN" altLang="en-US"/>
           </a:p>
@@ -3044,7 +3129,7 @@
           <a:p>
             <a:fld id="{5D82EB2F-2E99-496E-9161-18C1518904B0}" type="datetimeFigureOut">
               <a:rPr lang="zh-CN" altLang="en-US" smtClean="0"/>
-              <a:t>2018/11/11</a:t>
+              <a:t>2018/11/12</a:t>
             </a:fld>
             <a:endParaRPr lang="zh-CN" altLang="en-US"/>
           </a:p>
@@ -3297,7 +3382,7 @@
           <a:p>
             <a:fld id="{5D82EB2F-2E99-496E-9161-18C1518904B0}" type="datetimeFigureOut">
               <a:rPr lang="zh-CN" altLang="en-US" smtClean="0"/>
-              <a:t>2018/11/11</a:t>
+              <a:t>2018/11/12</a:t>
             </a:fld>
             <a:endParaRPr lang="zh-CN" altLang="en-US"/>
           </a:p>
@@ -3510,7 +3595,7 @@
           <a:p>
             <a:fld id="{5D82EB2F-2E99-496E-9161-18C1518904B0}" type="datetimeFigureOut">
               <a:rPr lang="zh-CN" altLang="en-US" smtClean="0"/>
-              <a:t>2018/11/11</a:t>
+              <a:t>2018/11/12</a:t>
             </a:fld>
             <a:endParaRPr lang="zh-CN" altLang="en-US"/>
           </a:p>
@@ -4024,18 +4109,7 @@
                   </a:schemeClr>
                 </a:solidFill>
               </a:rPr>
-              <a:t> </a:t>
-            </a:r>
-            <a:r>
-              <a:rPr lang="en-US" altLang="zh-CN" sz="1600" b="1" dirty="0" smtClean="0">
-                <a:solidFill>
-                  <a:schemeClr val="tx1">
-                    <a:lumMod val="85000"/>
-                    <a:lumOff val="15000"/>
-                  </a:schemeClr>
-                </a:solidFill>
-              </a:rPr>
-              <a:t>Liu</a:t>
+              <a:t> Liu</a:t>
             </a:r>
             <a:r>
               <a:rPr lang="en-US" altLang="zh-CN" sz="1600" b="1" baseline="30000" dirty="0" smtClean="0">
@@ -4679,8 +4753,8 @@
           </a:p>
         </p:txBody>
       </p:sp>
-      <mc:AlternateContent xmlns:mc="http://schemas.openxmlformats.org/markup-compatibility/2006">
-        <mc:Choice xmlns:a14="http://schemas.microsoft.com/office/drawing/2010/main" Requires="a14">
+      <mc:AlternateContent xmlns:mc="http://schemas.openxmlformats.org/markup-compatibility/2006" xmlns:a14="http://schemas.microsoft.com/office/drawing/2010/main">
+        <mc:Choice Requires="a14">
           <p:sp>
             <p:nvSpPr>
               <p:cNvPr id="6" name="矩形 5"/>
@@ -4720,14 +4794,6 @@
                   </a:rPr>
                   <a:t>Adversarial generation loss</a:t>
                 </a:r>
-                <a:endParaRPr lang="en-US" altLang="zh-CN" dirty="0" smtClean="0">
-                  <a:solidFill>
-                    <a:schemeClr val="tx1">
-                      <a:lumMod val="85000"/>
-                      <a:lumOff val="15000"/>
-                    </a:schemeClr>
-                  </a:solidFill>
-                </a:endParaRPr>
               </a:p>
               <a:p>
                 <a:pPr marL="742950" lvl="1" indent="-285750">
@@ -4816,7 +4882,7 @@
             </p:txBody>
           </p:sp>
         </mc:Choice>
-        <mc:Fallback>
+        <mc:Fallback xmlns="">
           <p:sp>
             <p:nvSpPr>
               <p:cNvPr id="6" name="矩形 5"/>
@@ -5161,7 +5227,7 @@
         </p:spPr>
         <p:txBody>
           <a:bodyPr vert="horz" lIns="91440" tIns="45720" rIns="91440" bIns="45720" rtlCol="0" anchor="ctr">
-            <a:normAutofit fontScale="92500"/>
+            <a:normAutofit/>
           </a:bodyPr>
           <a:lstStyle>
             <a:lvl1pPr algn="ctr" defTabSz="914400" rtl="0" eaLnBrk="1" latinLnBrk="0" hangingPunct="1">
@@ -5199,7 +5265,7 @@
                 <a:ea typeface="+mn-ea"/>
                 <a:cs typeface="+mn-cs"/>
               </a:rPr>
-              <a:t>Attention Sensitivity &amp; Adversarial Ability</a:t>
+              <a:t>Attention Sensitivity &amp; Attacking Ability</a:t>
             </a:r>
             <a:endParaRPr lang="zh-CN" altLang="en-US" sz="2400" dirty="0">
               <a:solidFill>
@@ -5215,6 +5281,371 @@
           </a:p>
         </p:txBody>
       </p:sp>
+      <p:sp>
+        <p:nvSpPr>
+          <p:cNvPr id="4" name="矩形 3"/>
+          <p:cNvSpPr/>
+          <p:nvPr/>
+        </p:nvSpPr>
+        <p:spPr>
+          <a:xfrm>
+            <a:off x="1087364" y="1412776"/>
+            <a:ext cx="4348731" cy="1754326"/>
+          </a:xfrm>
+          <a:prstGeom prst="rect">
+            <a:avLst/>
+          </a:prstGeom>
+        </p:spPr>
+        <p:txBody>
+          <a:bodyPr wrap="square">
+            <a:spAutoFit/>
+          </a:bodyPr>
+          <a:lstStyle/>
+          <a:p>
+            <a:pPr marL="285750" indent="-285750">
+              <a:lnSpc>
+                <a:spcPct val="150000"/>
+              </a:lnSpc>
+              <a:buFont typeface="Arial" panose="020B0604020202020204" pitchFamily="34" charset="0"/>
+              <a:buChar char="•"/>
+            </a:pPr>
+            <a:r>
+              <a:rPr lang="en-US" altLang="zh-CN" dirty="0" smtClean="0">
+                <a:solidFill>
+                  <a:schemeClr val="tx1">
+                    <a:lumMod val="85000"/>
+                    <a:lumOff val="15000"/>
+                  </a:schemeClr>
+                </a:solidFill>
+              </a:rPr>
+              <a:t>Adversarial attacking loss</a:t>
+            </a:r>
+          </a:p>
+          <a:p>
+            <a:pPr marL="742950" lvl="1" indent="-285750">
+              <a:lnSpc>
+                <a:spcPct val="150000"/>
+              </a:lnSpc>
+              <a:buFont typeface="Arial" panose="020B0604020202020204" pitchFamily="34" charset="0"/>
+              <a:buChar char="•"/>
+            </a:pPr>
+            <a:r>
+              <a:rPr lang="en-US" altLang="zh-CN" dirty="0" smtClean="0">
+                <a:solidFill>
+                  <a:schemeClr val="tx1">
+                    <a:lumMod val="85000"/>
+                    <a:lumOff val="15000"/>
+                  </a:schemeClr>
+                </a:solidFill>
+              </a:rPr>
+              <a:t>Attacking ability</a:t>
+            </a:r>
+          </a:p>
+          <a:p>
+            <a:pPr marL="742950" lvl="1" indent="-285750">
+              <a:lnSpc>
+                <a:spcPct val="150000"/>
+              </a:lnSpc>
+              <a:buFont typeface="Arial" panose="020B0604020202020204" pitchFamily="34" charset="0"/>
+              <a:buChar char="•"/>
+            </a:pPr>
+            <a:r>
+              <a:rPr lang="en-US" altLang="zh-CN" dirty="0" smtClean="0">
+                <a:solidFill>
+                  <a:schemeClr val="tx1">
+                    <a:lumMod val="85000"/>
+                    <a:lumOff val="15000"/>
+                  </a:schemeClr>
+                </a:solidFill>
+              </a:rPr>
+              <a:t>Untargeted</a:t>
+            </a:r>
+          </a:p>
+          <a:p>
+            <a:pPr marL="742950" lvl="1" indent="-285750">
+              <a:lnSpc>
+                <a:spcPct val="150000"/>
+              </a:lnSpc>
+              <a:buFont typeface="Arial" panose="020B0604020202020204" pitchFamily="34" charset="0"/>
+              <a:buChar char="•"/>
+            </a:pPr>
+            <a:r>
+              <a:rPr lang="en-US" altLang="zh-CN" dirty="0" smtClean="0">
+                <a:solidFill>
+                  <a:schemeClr val="tx1">
+                    <a:lumMod val="85000"/>
+                    <a:lumOff val="15000"/>
+                  </a:schemeClr>
+                </a:solidFill>
+              </a:rPr>
+              <a:t>Also can be targeted</a:t>
+            </a:r>
+          </a:p>
+        </p:txBody>
+      </p:sp>
+      <p:pic>
+        <p:nvPicPr>
+          <p:cNvPr id="2050" name="Picture 2"/>
+          <p:cNvPicPr>
+            <a:picLocks noChangeAspect="1" noChangeArrowheads="1"/>
+          </p:cNvPicPr>
+          <p:nvPr/>
+        </p:nvPicPr>
+        <p:blipFill>
+          <a:blip r:embed="rId2">
+            <a:extLst>
+              <a:ext uri="{28A0092B-C50C-407E-A947-70E740481C1C}">
+                <a14:useLocalDpi xmlns:a14="http://schemas.microsoft.com/office/drawing/2010/main" val="0"/>
+              </a:ext>
+            </a:extLst>
+          </a:blip>
+          <a:srcRect/>
+          <a:stretch>
+            <a:fillRect/>
+          </a:stretch>
+        </p:blipFill>
+        <p:spPr bwMode="auto">
+          <a:xfrm>
+            <a:off x="2771800" y="3238500"/>
+            <a:ext cx="2901106" cy="344345"/>
+          </a:xfrm>
+          <a:prstGeom prst="rect">
+            <a:avLst/>
+          </a:prstGeom>
+          <a:noFill/>
+          <a:ln>
+            <a:noFill/>
+          </a:ln>
+          <a:extLst>
+            <a:ext uri="{909E8E84-426E-40DD-AFC4-6F175D3DCCD1}">
+              <a14:hiddenFill xmlns:a14="http://schemas.microsoft.com/office/drawing/2010/main">
+                <a:solidFill>
+                  <a:schemeClr val="accent1"/>
+                </a:solidFill>
+              </a14:hiddenFill>
+            </a:ext>
+            <a:ext uri="{91240B29-F687-4F45-9708-019B960494DF}">
+              <a14:hiddenLine xmlns:a14="http://schemas.microsoft.com/office/drawing/2010/main" w="9525">
+                <a:solidFill>
+                  <a:schemeClr val="tx1"/>
+                </a:solidFill>
+                <a:miter lim="800000"/>
+                <a:headEnd/>
+                <a:tailEnd/>
+              </a14:hiddenLine>
+            </a:ext>
+          </a:extLst>
+        </p:spPr>
+      </p:pic>
+      <p:sp>
+        <p:nvSpPr>
+          <p:cNvPr id="6" name="矩形 5"/>
+          <p:cNvSpPr/>
+          <p:nvPr/>
+        </p:nvSpPr>
+        <p:spPr>
+          <a:xfrm>
+            <a:off x="1087365" y="3645024"/>
+            <a:ext cx="6004915" cy="1338828"/>
+          </a:xfrm>
+          <a:prstGeom prst="rect">
+            <a:avLst/>
+          </a:prstGeom>
+        </p:spPr>
+        <p:txBody>
+          <a:bodyPr wrap="square">
+            <a:spAutoFit/>
+          </a:bodyPr>
+          <a:lstStyle/>
+          <a:p>
+            <a:pPr marL="285750" indent="-285750">
+              <a:lnSpc>
+                <a:spcPct val="150000"/>
+              </a:lnSpc>
+              <a:buFont typeface="Arial" panose="020B0604020202020204" pitchFamily="34" charset="0"/>
+              <a:buChar char="•"/>
+            </a:pPr>
+            <a:r>
+              <a:rPr lang="en-US" altLang="zh-CN" dirty="0" smtClean="0">
+                <a:solidFill>
+                  <a:schemeClr val="tx1">
+                    <a:lumMod val="85000"/>
+                    <a:lumOff val="15000"/>
+                  </a:schemeClr>
+                </a:solidFill>
+              </a:rPr>
+              <a:t>Attention sensitivity</a:t>
+            </a:r>
+          </a:p>
+          <a:p>
+            <a:pPr marL="742950" lvl="1" indent="-285750">
+              <a:lnSpc>
+                <a:spcPct val="150000"/>
+              </a:lnSpc>
+              <a:buFont typeface="Arial" panose="020B0604020202020204" pitchFamily="34" charset="0"/>
+              <a:buChar char="•"/>
+            </a:pPr>
+            <a:r>
+              <a:rPr lang="en-US" altLang="zh-CN" dirty="0" smtClean="0">
+                <a:solidFill>
+                  <a:schemeClr val="tx1">
+                    <a:lumMod val="85000"/>
+                    <a:lumOff val="15000"/>
+                  </a:schemeClr>
+                </a:solidFill>
+              </a:rPr>
+              <a:t>Critical attacking area leading to better performance</a:t>
+            </a:r>
+          </a:p>
+          <a:p>
+            <a:pPr marL="742950" lvl="1" indent="-285750">
+              <a:lnSpc>
+                <a:spcPct val="150000"/>
+              </a:lnSpc>
+              <a:buFont typeface="Arial" panose="020B0604020202020204" pitchFamily="34" charset="0"/>
+              <a:buChar char="•"/>
+            </a:pPr>
+            <a:r>
+              <a:rPr lang="en-US" altLang="zh-CN" dirty="0" smtClean="0">
+                <a:solidFill>
+                  <a:schemeClr val="tx1">
+                    <a:lumMod val="85000"/>
+                    <a:lumOff val="15000"/>
+                  </a:schemeClr>
+                </a:solidFill>
+              </a:rPr>
+              <a:t>Grad-CAM</a:t>
+            </a:r>
+          </a:p>
+        </p:txBody>
+      </p:sp>
+      <p:sp>
+        <p:nvSpPr>
+          <p:cNvPr id="7" name="标题 1"/>
+          <p:cNvSpPr txBox="1">
+            <a:spLocks/>
+          </p:cNvSpPr>
+          <p:nvPr/>
+        </p:nvSpPr>
+        <p:spPr>
+          <a:xfrm>
+            <a:off x="683568" y="5013176"/>
+            <a:ext cx="5544616" cy="792088"/>
+          </a:xfrm>
+          <a:prstGeom prst="rect">
+            <a:avLst/>
+          </a:prstGeom>
+        </p:spPr>
+        <p:txBody>
+          <a:bodyPr vert="horz" lIns="91440" tIns="45720" rIns="91440" bIns="45720" rtlCol="0" anchor="ctr">
+            <a:normAutofit/>
+          </a:bodyPr>
+          <a:lstStyle>
+            <a:lvl1pPr algn="ctr" defTabSz="914400" rtl="0" eaLnBrk="1" latinLnBrk="0" hangingPunct="1">
+              <a:spcBef>
+                <a:spcPct val="0"/>
+              </a:spcBef>
+              <a:buNone/>
+              <a:defRPr sz="4400" kern="1200">
+                <a:solidFill>
+                  <a:schemeClr val="tx1"/>
+                </a:solidFill>
+                <a:latin typeface="+mj-lt"/>
+                <a:ea typeface="+mj-ea"/>
+                <a:cs typeface="+mj-cs"/>
+              </a:defRPr>
+            </a:lvl1pPr>
+          </a:lstStyle>
+          <a:p>
+            <a:pPr marL="457200" indent="-457200" algn="l">
+              <a:lnSpc>
+                <a:spcPct val="150000"/>
+              </a:lnSpc>
+              <a:buFont typeface="Wingdings" panose="05000000000000000000" pitchFamily="2" charset="2"/>
+              <a:buChar char="ü"/>
+            </a:pPr>
+            <a:r>
+              <a:rPr lang="en-US" altLang="zh-CN" sz="2400" dirty="0" smtClean="0">
+                <a:solidFill>
+                  <a:schemeClr val="tx1">
+                    <a:lumMod val="85000"/>
+                    <a:lumOff val="15000"/>
+                  </a:schemeClr>
+                </a:solidFill>
+                <a:latin typeface="+mn-lt"/>
+                <a:ea typeface="+mn-ea"/>
+                <a:cs typeface="+mn-cs"/>
+              </a:rPr>
+              <a:t>Overall Loss</a:t>
+            </a:r>
+            <a:endParaRPr lang="zh-CN" altLang="en-US" sz="2400" dirty="0">
+              <a:solidFill>
+                <a:schemeClr val="tx1">
+                  <a:lumMod val="85000"/>
+                  <a:lumOff val="15000"/>
+                </a:schemeClr>
+              </a:solidFill>
+              <a:latin typeface="+mn-lt"/>
+              <a:ea typeface="+mn-ea"/>
+              <a:cs typeface="+mn-cs"/>
+            </a:endParaRPr>
+          </a:p>
+        </p:txBody>
+      </p:sp>
+      <p:pic>
+        <p:nvPicPr>
+          <p:cNvPr id="2051" name="Picture 3"/>
+          <p:cNvPicPr>
+            <a:picLocks noChangeAspect="1" noChangeArrowheads="1"/>
+          </p:cNvPicPr>
+          <p:nvPr/>
+        </p:nvPicPr>
+        <p:blipFill>
+          <a:blip r:embed="rId3">
+            <a:extLst>
+              <a:ext uri="{28A0092B-C50C-407E-A947-70E740481C1C}">
+                <a14:useLocalDpi xmlns:a14="http://schemas.microsoft.com/office/drawing/2010/main" val="0"/>
+              </a:ext>
+            </a:extLst>
+          </a:blip>
+          <a:srcRect/>
+          <a:stretch>
+            <a:fillRect/>
+          </a:stretch>
+        </p:blipFill>
+        <p:spPr bwMode="auto">
+          <a:xfrm>
+            <a:off x="2555776" y="5805264"/>
+            <a:ext cx="3678560" cy="433792"/>
+          </a:xfrm>
+          <a:prstGeom prst="rect">
+            <a:avLst/>
+          </a:prstGeom>
+          <a:noFill/>
+          <a:ln>
+            <a:noFill/>
+          </a:ln>
+          <a:extLst>
+            <a:ext uri="{909E8E84-426E-40DD-AFC4-6F175D3DCCD1}">
+              <a14:hiddenFill xmlns:a14="http://schemas.microsoft.com/office/drawing/2010/main">
+                <a:solidFill>
+                  <a:schemeClr val="accent1"/>
+                </a:solidFill>
+              </a14:hiddenFill>
+            </a:ext>
+            <a:ext uri="{91240B29-F687-4F45-9708-019B960494DF}">
+              <a14:hiddenLine xmlns:a14="http://schemas.microsoft.com/office/drawing/2010/main" w="9525">
+                <a:solidFill>
+                  <a:schemeClr val="tx1"/>
+                </a:solidFill>
+                <a:miter lim="800000"/>
+                <a:headEnd/>
+                <a:tailEnd/>
+              </a14:hiddenLine>
+            </a:ext>
+          </a:extLst>
+        </p:spPr>
+      </p:pic>
     </p:spTree>
     <p:extLst>
       <p:ext uri="{BB962C8B-B14F-4D97-AF65-F5344CB8AC3E}">
@@ -6323,6 +6754,693 @@
       </p:sp>
       <p:sp>
         <p:nvSpPr>
+          <p:cNvPr id="24" name="矩形 23"/>
+          <p:cNvSpPr/>
+          <p:nvPr/>
+        </p:nvSpPr>
+        <p:spPr>
+          <a:xfrm>
+            <a:off x="1115616" y="1461842"/>
+            <a:ext cx="2649824" cy="461665"/>
+          </a:xfrm>
+          <a:prstGeom prst="rect">
+            <a:avLst/>
+          </a:prstGeom>
+        </p:spPr>
+        <p:txBody>
+          <a:bodyPr wrap="square">
+            <a:spAutoFit/>
+          </a:bodyPr>
+          <a:lstStyle/>
+          <a:p>
+            <a:pPr marL="342900" indent="-342900">
+              <a:buFont typeface="Wingdings" panose="05000000000000000000" pitchFamily="2" charset="2"/>
+              <a:buChar char="ü"/>
+            </a:pPr>
+            <a:r>
+              <a:rPr lang="en-US" altLang="zh-CN" sz="2400" dirty="0" smtClean="0">
+                <a:solidFill>
+                  <a:schemeClr val="tx1">
+                    <a:lumMod val="85000"/>
+                    <a:lumOff val="15000"/>
+                  </a:schemeClr>
+                </a:solidFill>
+              </a:rPr>
+              <a:t>Attacking </a:t>
+            </a:r>
+            <a:r>
+              <a:rPr lang="en-US" altLang="zh-CN" sz="2400" dirty="0" err="1" smtClean="0">
+                <a:solidFill>
+                  <a:schemeClr val="tx1">
+                    <a:lumMod val="85000"/>
+                    <a:lumOff val="15000"/>
+                  </a:schemeClr>
+                </a:solidFill>
+              </a:rPr>
+              <a:t>Algos</a:t>
+            </a:r>
+            <a:endParaRPr lang="zh-CN" altLang="en-US" sz="2400" dirty="0">
+              <a:solidFill>
+                <a:schemeClr val="tx1">
+                  <a:lumMod val="85000"/>
+                  <a:lumOff val="15000"/>
+                </a:schemeClr>
+              </a:solidFill>
+            </a:endParaRPr>
+          </a:p>
+        </p:txBody>
+      </p:sp>
+      <p:sp>
+        <p:nvSpPr>
+          <p:cNvPr id="25" name="矩形 24"/>
+          <p:cNvSpPr/>
+          <p:nvPr/>
+        </p:nvSpPr>
+        <p:spPr>
+          <a:xfrm>
+            <a:off x="1259632" y="1936574"/>
+            <a:ext cx="3221492" cy="923330"/>
+          </a:xfrm>
+          <a:prstGeom prst="rect">
+            <a:avLst/>
+          </a:prstGeom>
+        </p:spPr>
+        <p:txBody>
+          <a:bodyPr wrap="square">
+            <a:spAutoFit/>
+          </a:bodyPr>
+          <a:lstStyle/>
+          <a:p>
+            <a:pPr marL="285750" indent="-285750">
+              <a:lnSpc>
+                <a:spcPct val="150000"/>
+              </a:lnSpc>
+              <a:buFont typeface="Arial" panose="020B0604020202020204" pitchFamily="34" charset="0"/>
+              <a:buChar char="•"/>
+            </a:pPr>
+            <a:r>
+              <a:rPr lang="en-US" altLang="zh-CN" dirty="0" err="1" smtClean="0">
+                <a:solidFill>
+                  <a:schemeClr val="tx1">
+                    <a:lumMod val="85000"/>
+                    <a:lumOff val="15000"/>
+                  </a:schemeClr>
+                </a:solidFill>
+              </a:rPr>
+              <a:t>GoogleAp</a:t>
+            </a:r>
+            <a:endParaRPr lang="en-US" altLang="zh-CN" dirty="0" smtClean="0">
+              <a:solidFill>
+                <a:schemeClr val="tx1">
+                  <a:lumMod val="85000"/>
+                  <a:lumOff val="15000"/>
+                </a:schemeClr>
+              </a:solidFill>
+            </a:endParaRPr>
+          </a:p>
+          <a:p>
+            <a:pPr marL="285750" indent="-285750">
+              <a:lnSpc>
+                <a:spcPct val="150000"/>
+              </a:lnSpc>
+              <a:buFont typeface="Arial" panose="020B0604020202020204" pitchFamily="34" charset="0"/>
+              <a:buChar char="•"/>
+            </a:pPr>
+            <a:r>
+              <a:rPr lang="en-US" altLang="zh-CN" dirty="0" err="1" smtClean="0">
+                <a:solidFill>
+                  <a:schemeClr val="tx1">
+                    <a:lumMod val="85000"/>
+                    <a:lumOff val="15000"/>
+                  </a:schemeClr>
+                </a:solidFill>
+              </a:rPr>
+              <a:t>LaVAN</a:t>
+            </a:r>
+            <a:endParaRPr lang="en-US" altLang="zh-CN" dirty="0" smtClean="0">
+              <a:solidFill>
+                <a:schemeClr val="tx1">
+                  <a:lumMod val="85000"/>
+                  <a:lumOff val="15000"/>
+                </a:schemeClr>
+              </a:solidFill>
+            </a:endParaRPr>
+          </a:p>
+        </p:txBody>
+      </p:sp>
+      <p:sp>
+        <p:nvSpPr>
+          <p:cNvPr id="28" name="矩形 27"/>
+          <p:cNvSpPr/>
+          <p:nvPr/>
+        </p:nvSpPr>
+        <p:spPr>
+          <a:xfrm>
+            <a:off x="1062476" y="3861048"/>
+            <a:ext cx="2649824" cy="461665"/>
+          </a:xfrm>
+          <a:prstGeom prst="rect">
+            <a:avLst/>
+          </a:prstGeom>
+        </p:spPr>
+        <p:txBody>
+          <a:bodyPr wrap="square">
+            <a:spAutoFit/>
+          </a:bodyPr>
+          <a:lstStyle/>
+          <a:p>
+            <a:pPr marL="342900" indent="-342900">
+              <a:buFont typeface="Wingdings" panose="05000000000000000000" pitchFamily="2" charset="2"/>
+              <a:buChar char="ü"/>
+            </a:pPr>
+            <a:r>
+              <a:rPr lang="en-US" altLang="zh-CN" sz="2400" dirty="0" smtClean="0">
+                <a:solidFill>
+                  <a:schemeClr val="tx1">
+                    <a:lumMod val="85000"/>
+                    <a:lumOff val="15000"/>
+                  </a:schemeClr>
+                </a:solidFill>
+              </a:rPr>
+              <a:t>Implementation</a:t>
+            </a:r>
+            <a:endParaRPr lang="zh-CN" altLang="en-US" sz="2400" dirty="0">
+              <a:solidFill>
+                <a:schemeClr val="tx1">
+                  <a:lumMod val="85000"/>
+                  <a:lumOff val="15000"/>
+                </a:schemeClr>
+              </a:solidFill>
+            </a:endParaRPr>
+          </a:p>
+        </p:txBody>
+      </p:sp>
+      <p:sp>
+        <p:nvSpPr>
+          <p:cNvPr id="29" name="矩形 28"/>
+          <p:cNvSpPr/>
+          <p:nvPr/>
+        </p:nvSpPr>
+        <p:spPr>
+          <a:xfrm>
+            <a:off x="1206492" y="4335780"/>
+            <a:ext cx="3221492" cy="1338828"/>
+          </a:xfrm>
+          <a:prstGeom prst="rect">
+            <a:avLst/>
+          </a:prstGeom>
+        </p:spPr>
+        <p:txBody>
+          <a:bodyPr wrap="square">
+            <a:spAutoFit/>
+          </a:bodyPr>
+          <a:lstStyle/>
+          <a:p>
+            <a:pPr marL="285750" indent="-285750">
+              <a:lnSpc>
+                <a:spcPct val="150000"/>
+              </a:lnSpc>
+              <a:buFont typeface="Arial" panose="020B0604020202020204" pitchFamily="34" charset="0"/>
+              <a:buChar char="•"/>
+            </a:pPr>
+            <a:r>
+              <a:rPr lang="en-US" altLang="zh-CN" dirty="0" err="1" smtClean="0">
+                <a:solidFill>
+                  <a:schemeClr val="tx1">
+                    <a:lumMod val="85000"/>
+                    <a:lumOff val="15000"/>
+                  </a:schemeClr>
+                </a:solidFill>
+              </a:rPr>
+              <a:t>Tensorflow</a:t>
+            </a:r>
+            <a:endParaRPr lang="en-US" altLang="zh-CN" dirty="0">
+              <a:solidFill>
+                <a:schemeClr val="tx1">
+                  <a:lumMod val="85000"/>
+                  <a:lumOff val="15000"/>
+                </a:schemeClr>
+              </a:solidFill>
+            </a:endParaRPr>
+          </a:p>
+          <a:p>
+            <a:pPr marL="285750" indent="-285750">
+              <a:lnSpc>
+                <a:spcPct val="150000"/>
+              </a:lnSpc>
+              <a:buFont typeface="Arial" panose="020B0604020202020204" pitchFamily="34" charset="0"/>
+              <a:buChar char="•"/>
+            </a:pPr>
+            <a:r>
+              <a:rPr lang="en-US" altLang="zh-CN" dirty="0" smtClean="0">
+                <a:solidFill>
+                  <a:schemeClr val="tx1">
+                    <a:lumMod val="85000"/>
+                    <a:lumOff val="15000"/>
+                  </a:schemeClr>
+                </a:solidFill>
+              </a:rPr>
+              <a:t>NVIDIA Tesla K80 GPU cluster</a:t>
+            </a:r>
+          </a:p>
+          <a:p>
+            <a:pPr marL="285750" indent="-285750">
+              <a:lnSpc>
+                <a:spcPct val="150000"/>
+              </a:lnSpc>
+              <a:buFont typeface="Arial" panose="020B0604020202020204" pitchFamily="34" charset="0"/>
+              <a:buChar char="•"/>
+            </a:pPr>
+            <a:r>
+              <a:rPr lang="en-US" altLang="zh-CN" dirty="0" smtClean="0">
+                <a:solidFill>
+                  <a:schemeClr val="tx1">
+                    <a:lumMod val="85000"/>
+                    <a:lumOff val="15000"/>
+                  </a:schemeClr>
+                </a:solidFill>
+              </a:rPr>
+              <a:t>Converge at epoch 200</a:t>
+            </a:r>
+            <a:endParaRPr lang="en-US" altLang="zh-CN" dirty="0">
+              <a:solidFill>
+                <a:schemeClr val="tx1">
+                  <a:lumMod val="85000"/>
+                  <a:lumOff val="15000"/>
+                </a:schemeClr>
+              </a:solidFill>
+            </a:endParaRPr>
+          </a:p>
+        </p:txBody>
+      </p:sp>
+      <p:pic>
+        <p:nvPicPr>
+          <p:cNvPr id="18" name="Picture 3"/>
+          <p:cNvPicPr>
+            <a:picLocks noChangeAspect="1" noChangeArrowheads="1"/>
+          </p:cNvPicPr>
+          <p:nvPr/>
+        </p:nvPicPr>
+        <p:blipFill>
+          <a:blip r:embed="rId3" cstate="print">
+            <a:extLst>
+              <a:ext uri="{28A0092B-C50C-407E-A947-70E740481C1C}">
+                <a14:useLocalDpi xmlns:a14="http://schemas.microsoft.com/office/drawing/2010/main" val="0"/>
+              </a:ext>
+            </a:extLst>
+          </a:blip>
+          <a:srcRect/>
+          <a:stretch>
+            <a:fillRect/>
+          </a:stretch>
+        </p:blipFill>
+        <p:spPr bwMode="auto">
+          <a:xfrm>
+            <a:off x="4097415" y="1628800"/>
+            <a:ext cx="1158742" cy="1150252"/>
+          </a:xfrm>
+          <a:prstGeom prst="rect">
+            <a:avLst/>
+          </a:prstGeom>
+          <a:noFill/>
+          <a:ln>
+            <a:noFill/>
+          </a:ln>
+          <a:extLst>
+            <a:ext uri="{909E8E84-426E-40DD-AFC4-6F175D3DCCD1}">
+              <a14:hiddenFill xmlns:a14="http://schemas.microsoft.com/office/drawing/2010/main">
+                <a:solidFill>
+                  <a:schemeClr val="accent1"/>
+                </a:solidFill>
+              </a14:hiddenFill>
+            </a:ext>
+            <a:ext uri="{91240B29-F687-4F45-9708-019B960494DF}">
+              <a14:hiddenLine xmlns:a14="http://schemas.microsoft.com/office/drawing/2010/main" w="9525">
+                <a:solidFill>
+                  <a:schemeClr val="tx1"/>
+                </a:solidFill>
+                <a:miter lim="800000"/>
+                <a:headEnd/>
+                <a:tailEnd/>
+              </a14:hiddenLine>
+            </a:ext>
+          </a:extLst>
+        </p:spPr>
+      </p:pic>
+      <p:pic>
+        <p:nvPicPr>
+          <p:cNvPr id="3074" name="Picture 2"/>
+          <p:cNvPicPr>
+            <a:picLocks noChangeAspect="1" noChangeArrowheads="1"/>
+          </p:cNvPicPr>
+          <p:nvPr/>
+        </p:nvPicPr>
+        <p:blipFill>
+          <a:blip r:embed="rId4">
+            <a:extLst>
+              <a:ext uri="{28A0092B-C50C-407E-A947-70E740481C1C}">
+                <a14:useLocalDpi xmlns:a14="http://schemas.microsoft.com/office/drawing/2010/main" val="0"/>
+              </a:ext>
+            </a:extLst>
+          </a:blip>
+          <a:srcRect/>
+          <a:stretch>
+            <a:fillRect/>
+          </a:stretch>
+        </p:blipFill>
+        <p:spPr bwMode="auto">
+          <a:xfrm>
+            <a:off x="5364088" y="1637592"/>
+            <a:ext cx="1150253" cy="1150253"/>
+          </a:xfrm>
+          <a:prstGeom prst="rect">
+            <a:avLst/>
+          </a:prstGeom>
+          <a:noFill/>
+          <a:ln>
+            <a:noFill/>
+          </a:ln>
+          <a:extLst>
+            <a:ext uri="{909E8E84-426E-40DD-AFC4-6F175D3DCCD1}">
+              <a14:hiddenFill xmlns:a14="http://schemas.microsoft.com/office/drawing/2010/main">
+                <a:solidFill>
+                  <a:schemeClr val="accent1"/>
+                </a:solidFill>
+              </a14:hiddenFill>
+            </a:ext>
+            <a:ext uri="{91240B29-F687-4F45-9708-019B960494DF}">
+              <a14:hiddenLine xmlns:a14="http://schemas.microsoft.com/office/drawing/2010/main" w="9525">
+                <a:solidFill>
+                  <a:schemeClr val="tx1"/>
+                </a:solidFill>
+                <a:miter lim="800000"/>
+                <a:headEnd/>
+                <a:tailEnd/>
+              </a14:hiddenLine>
+            </a:ext>
+          </a:extLst>
+        </p:spPr>
+      </p:pic>
+      <p:pic>
+        <p:nvPicPr>
+          <p:cNvPr id="3075" name="Picture 3"/>
+          <p:cNvPicPr>
+            <a:picLocks noChangeAspect="1" noChangeArrowheads="1"/>
+          </p:cNvPicPr>
+          <p:nvPr/>
+        </p:nvPicPr>
+        <p:blipFill>
+          <a:blip r:embed="rId5">
+            <a:extLst>
+              <a:ext uri="{28A0092B-C50C-407E-A947-70E740481C1C}">
+                <a14:useLocalDpi xmlns:a14="http://schemas.microsoft.com/office/drawing/2010/main" val="0"/>
+              </a:ext>
+            </a:extLst>
+          </a:blip>
+          <a:srcRect/>
+          <a:stretch>
+            <a:fillRect/>
+          </a:stretch>
+        </p:blipFill>
+        <p:spPr bwMode="auto">
+          <a:xfrm>
+            <a:off x="6592846" y="1646384"/>
+            <a:ext cx="1158742" cy="1139537"/>
+          </a:xfrm>
+          <a:prstGeom prst="rect">
+            <a:avLst/>
+          </a:prstGeom>
+          <a:noFill/>
+          <a:ln>
+            <a:noFill/>
+          </a:ln>
+          <a:extLst>
+            <a:ext uri="{909E8E84-426E-40DD-AFC4-6F175D3DCCD1}">
+              <a14:hiddenFill xmlns:a14="http://schemas.microsoft.com/office/drawing/2010/main">
+                <a:solidFill>
+                  <a:schemeClr val="accent1"/>
+                </a:solidFill>
+              </a14:hiddenFill>
+            </a:ext>
+            <a:ext uri="{91240B29-F687-4F45-9708-019B960494DF}">
+              <a14:hiddenLine xmlns:a14="http://schemas.microsoft.com/office/drawing/2010/main" w="9525">
+                <a:solidFill>
+                  <a:schemeClr val="tx1"/>
+                </a:solidFill>
+                <a:miter lim="800000"/>
+                <a:headEnd/>
+                <a:tailEnd/>
+              </a14:hiddenLine>
+            </a:ext>
+          </a:extLst>
+        </p:spPr>
+      </p:pic>
+      <p:pic>
+        <p:nvPicPr>
+          <p:cNvPr id="3076" name="Picture 4"/>
+          <p:cNvPicPr>
+            <a:picLocks noChangeAspect="1" noChangeArrowheads="1"/>
+          </p:cNvPicPr>
+          <p:nvPr/>
+        </p:nvPicPr>
+        <p:blipFill>
+          <a:blip r:embed="rId6">
+            <a:extLst>
+              <a:ext uri="{28A0092B-C50C-407E-A947-70E740481C1C}">
+                <a14:useLocalDpi xmlns:a14="http://schemas.microsoft.com/office/drawing/2010/main" val="0"/>
+              </a:ext>
+            </a:extLst>
+          </a:blip>
+          <a:srcRect/>
+          <a:stretch>
+            <a:fillRect/>
+          </a:stretch>
+        </p:blipFill>
+        <p:spPr bwMode="auto">
+          <a:xfrm>
+            <a:off x="7849113" y="1638189"/>
+            <a:ext cx="1149557" cy="1160664"/>
+          </a:xfrm>
+          <a:prstGeom prst="rect">
+            <a:avLst/>
+          </a:prstGeom>
+          <a:noFill/>
+          <a:ln>
+            <a:noFill/>
+          </a:ln>
+          <a:extLst>
+            <a:ext uri="{909E8E84-426E-40DD-AFC4-6F175D3DCCD1}">
+              <a14:hiddenFill xmlns:a14="http://schemas.microsoft.com/office/drawing/2010/main">
+                <a:solidFill>
+                  <a:schemeClr val="accent1"/>
+                </a:solidFill>
+              </a14:hiddenFill>
+            </a:ext>
+            <a:ext uri="{91240B29-F687-4F45-9708-019B960494DF}">
+              <a14:hiddenLine xmlns:a14="http://schemas.microsoft.com/office/drawing/2010/main" w="9525">
+                <a:solidFill>
+                  <a:schemeClr val="tx1"/>
+                </a:solidFill>
+                <a:miter lim="800000"/>
+                <a:headEnd/>
+                <a:tailEnd/>
+              </a14:hiddenLine>
+            </a:ext>
+          </a:extLst>
+        </p:spPr>
+      </p:pic>
+      <p:pic>
+        <p:nvPicPr>
+          <p:cNvPr id="3077" name="Picture 5"/>
+          <p:cNvPicPr>
+            <a:picLocks noChangeAspect="1" noChangeArrowheads="1"/>
+          </p:cNvPicPr>
+          <p:nvPr/>
+        </p:nvPicPr>
+        <p:blipFill>
+          <a:blip r:embed="rId7" cstate="print">
+            <a:extLst>
+              <a:ext uri="{28A0092B-C50C-407E-A947-70E740481C1C}">
+                <a14:useLocalDpi xmlns:a14="http://schemas.microsoft.com/office/drawing/2010/main" val="0"/>
+              </a:ext>
+            </a:extLst>
+          </a:blip>
+          <a:srcRect/>
+          <a:stretch>
+            <a:fillRect/>
+          </a:stretch>
+        </p:blipFill>
+        <p:spPr bwMode="auto">
+          <a:xfrm>
+            <a:off x="4481124" y="3960058"/>
+            <a:ext cx="2784761" cy="2215415"/>
+          </a:xfrm>
+          <a:prstGeom prst="rect">
+            <a:avLst/>
+          </a:prstGeom>
+          <a:noFill/>
+          <a:ln>
+            <a:noFill/>
+          </a:ln>
+          <a:extLst>
+            <a:ext uri="{909E8E84-426E-40DD-AFC4-6F175D3DCCD1}">
+              <a14:hiddenFill xmlns:a14="http://schemas.microsoft.com/office/drawing/2010/main">
+                <a:solidFill>
+                  <a:schemeClr val="accent1"/>
+                </a:solidFill>
+              </a14:hiddenFill>
+            </a:ext>
+            <a:ext uri="{91240B29-F687-4F45-9708-019B960494DF}">
+              <a14:hiddenLine xmlns:a14="http://schemas.microsoft.com/office/drawing/2010/main" w="9525">
+                <a:solidFill>
+                  <a:schemeClr val="tx1"/>
+                </a:solidFill>
+                <a:miter lim="800000"/>
+                <a:headEnd/>
+                <a:tailEnd/>
+              </a14:hiddenLine>
+            </a:ext>
+          </a:extLst>
+        </p:spPr>
+      </p:pic>
+      <p:pic>
+        <p:nvPicPr>
+          <p:cNvPr id="3079" name="Picture 7"/>
+          <p:cNvPicPr>
+            <a:picLocks noChangeAspect="1" noChangeArrowheads="1"/>
+          </p:cNvPicPr>
+          <p:nvPr/>
+        </p:nvPicPr>
+        <p:blipFill>
+          <a:blip r:embed="rId8">
+            <a:extLst>
+              <a:ext uri="{28A0092B-C50C-407E-A947-70E740481C1C}">
+                <a14:useLocalDpi xmlns:a14="http://schemas.microsoft.com/office/drawing/2010/main" val="0"/>
+              </a:ext>
+            </a:extLst>
+          </a:blip>
+          <a:srcRect/>
+          <a:stretch>
+            <a:fillRect/>
+          </a:stretch>
+        </p:blipFill>
+        <p:spPr bwMode="auto">
+          <a:xfrm>
+            <a:off x="7452320" y="4322713"/>
+            <a:ext cx="1295400" cy="1276350"/>
+          </a:xfrm>
+          <a:prstGeom prst="rect">
+            <a:avLst/>
+          </a:prstGeom>
+          <a:noFill/>
+          <a:ln>
+            <a:noFill/>
+          </a:ln>
+          <a:extLst>
+            <a:ext uri="{909E8E84-426E-40DD-AFC4-6F175D3DCCD1}">
+              <a14:hiddenFill xmlns:a14="http://schemas.microsoft.com/office/drawing/2010/main">
+                <a:solidFill>
+                  <a:schemeClr val="accent1"/>
+                </a:solidFill>
+              </a14:hiddenFill>
+            </a:ext>
+            <a:ext uri="{91240B29-F687-4F45-9708-019B960494DF}">
+              <a14:hiddenLine xmlns:a14="http://schemas.microsoft.com/office/drawing/2010/main" w="9525">
+                <a:solidFill>
+                  <a:schemeClr val="tx1"/>
+                </a:solidFill>
+                <a:miter lim="800000"/>
+                <a:headEnd/>
+                <a:tailEnd/>
+              </a14:hiddenLine>
+            </a:ext>
+          </a:extLst>
+        </p:spPr>
+      </p:pic>
+    </p:spTree>
+    <p:extLst>
+      <p:ext uri="{BB962C8B-B14F-4D97-AF65-F5344CB8AC3E}">
+        <p14:creationId xmlns:p14="http://schemas.microsoft.com/office/powerpoint/2010/main" val="2456566668"/>
+      </p:ext>
+    </p:extLst>
+  </p:cSld>
+  <p:clrMapOvr>
+    <a:masterClrMapping/>
+  </p:clrMapOvr>
+  <p:timing>
+    <p:tnLst>
+      <p:par>
+        <p:cTn id="1" dur="indefinite" restart="never" nodeType="tmRoot"/>
+      </p:par>
+    </p:tnLst>
+  </p:timing>
+</p:sld>
+</file>
+
+<file path=ppt/slides/slide15.xml><?xml version="1.0" encoding="utf-8"?>
+<p:sld xmlns:a="http://schemas.openxmlformats.org/drawingml/2006/main" xmlns:r="http://schemas.openxmlformats.org/officeDocument/2006/relationships" xmlns:p="http://schemas.openxmlformats.org/presentationml/2006/main">
+  <p:cSld>
+    <p:spTree>
+      <p:nvGrpSpPr>
+        <p:cNvPr id="1" name=""/>
+        <p:cNvGrpSpPr/>
+        <p:nvPr/>
+      </p:nvGrpSpPr>
+      <p:grpSpPr>
+        <a:xfrm>
+          <a:off x="0" y="0"/>
+          <a:ext cx="0" cy="0"/>
+          <a:chOff x="0" y="0"/>
+          <a:chExt cx="0" cy="0"/>
+        </a:xfrm>
+      </p:grpSpPr>
+      <p:sp>
+        <p:nvSpPr>
+          <p:cNvPr id="2" name="标题 1"/>
+          <p:cNvSpPr>
+            <a:spLocks noGrp="1"/>
+          </p:cNvSpPr>
+          <p:nvPr>
+            <p:ph type="ctrTitle"/>
+          </p:nvPr>
+        </p:nvSpPr>
+        <p:spPr>
+          <a:xfrm>
+            <a:off x="395536" y="188640"/>
+            <a:ext cx="4536504" cy="792088"/>
+          </a:xfrm>
+        </p:spPr>
+        <p:txBody>
+          <a:bodyPr>
+            <a:normAutofit/>
+          </a:bodyPr>
+          <a:lstStyle/>
+          <a:p>
+            <a:pPr algn="l"/>
+            <a:r>
+              <a:rPr lang="en-US" altLang="zh-CN" sz="3600" dirty="0" smtClean="0">
+                <a:solidFill>
+                  <a:schemeClr val="tx1">
+                    <a:lumMod val="85000"/>
+                    <a:lumOff val="15000"/>
+                  </a:schemeClr>
+                </a:solidFill>
+              </a:rPr>
+              <a:t>Experiments</a:t>
+            </a:r>
+            <a:endParaRPr lang="zh-CN" altLang="en-US" sz="3600" dirty="0">
+              <a:solidFill>
+                <a:schemeClr val="tx1">
+                  <a:lumMod val="85000"/>
+                  <a:lumOff val="15000"/>
+                </a:schemeClr>
+              </a:solidFill>
+            </a:endParaRPr>
+          </a:p>
+        </p:txBody>
+      </p:sp>
+      <p:sp>
+        <p:nvSpPr>
           <p:cNvPr id="7" name="标题 1"/>
           <p:cNvSpPr txBox="1">
             <a:spLocks/>
@@ -6393,7 +7511,7 @@
       </p:sp>
       <p:pic>
         <p:nvPicPr>
-          <p:cNvPr id="3074" name="Picture 2"/>
+          <p:cNvPr id="3075" name="Picture 3"/>
           <p:cNvPicPr>
             <a:picLocks noChangeAspect="1" noChangeArrowheads="1"/>
           </p:cNvPicPr>
@@ -6401,60 +7519,6 @@
         </p:nvPicPr>
         <p:blipFill>
           <a:blip r:embed="rId3">
-            <a:extLst>
-              <a:ext uri="{28A0092B-C50C-407E-A947-70E740481C1C}">
-                <a14:useLocalDpi xmlns:a14="http://schemas.microsoft.com/office/drawing/2010/main" val="0"/>
-              </a:ext>
-            </a:extLst>
-          </a:blip>
-          <a:srcRect/>
-          <a:stretch>
-            <a:fillRect/>
-          </a:stretch>
-        </p:blipFill>
-        <p:spPr bwMode="auto">
-          <a:xfrm>
-            <a:off x="859750" y="4653136"/>
-            <a:ext cx="7947422" cy="1576000"/>
-          </a:xfrm>
-          <a:prstGeom prst="rect">
-            <a:avLst/>
-          </a:prstGeom>
-          <a:noFill/>
-          <a:ln>
-            <a:noFill/>
-          </a:ln>
-          <a:extLst>
-            <a:ext uri="{909E8E84-426E-40DD-AFC4-6F175D3DCCD1}">
-              <a14:hiddenFill xmlns:a14="http://schemas.microsoft.com/office/drawing/2010/main">
-                <a:solidFill>
-                  <a:schemeClr val="accent1"/>
-                </a:solidFill>
-              </a14:hiddenFill>
-            </a:ext>
-            <a:ext uri="{91240B29-F687-4F45-9708-019B960494DF}">
-              <a14:hiddenLine xmlns:a14="http://schemas.microsoft.com/office/drawing/2010/main" w="9525">
-                <a:solidFill>
-                  <a:schemeClr val="tx1"/>
-                </a:solidFill>
-                <a:miter lim="800000"/>
-                <a:headEnd/>
-                <a:tailEnd/>
-              </a14:hiddenLine>
-            </a:ext>
-          </a:extLst>
-        </p:spPr>
-      </p:pic>
-      <p:pic>
-        <p:nvPicPr>
-          <p:cNvPr id="3075" name="Picture 3"/>
-          <p:cNvPicPr>
-            <a:picLocks noChangeAspect="1" noChangeArrowheads="1"/>
-          </p:cNvPicPr>
-          <p:nvPr/>
-        </p:nvPicPr>
-        <p:blipFill>
-          <a:blip r:embed="rId4">
             <a:extLst>
               <a:ext uri="{28A0092B-C50C-407E-A947-70E740481C1C}">
                 <a14:useLocalDpi xmlns:a14="http://schemas.microsoft.com/office/drawing/2010/main" val="0"/>
@@ -6568,8 +7632,8 @@
           </a:p>
         </p:txBody>
       </p:sp>
-      <mc:AlternateContent xmlns:mc="http://schemas.openxmlformats.org/markup-compatibility/2006">
-        <mc:Choice xmlns:a14="http://schemas.microsoft.com/office/drawing/2010/main" Requires="a14">
+      <mc:AlternateContent xmlns:mc="http://schemas.openxmlformats.org/markup-compatibility/2006" xmlns:a14="http://schemas.microsoft.com/office/drawing/2010/main">
+        <mc:Choice Requires="a14">
           <p:sp>
             <p:nvSpPr>
               <p:cNvPr id="18" name="矩形 17"/>
@@ -6607,29 +7671,7 @@
                       </a:schemeClr>
                     </a:solidFill>
                   </a:rPr>
-                  <a:t>ImageNet</a:t>
-                </a:r>
-                <a:r>
-                  <a:rPr lang="en-US" altLang="zh-CN" dirty="0" smtClean="0">
-                    <a:solidFill>
-                      <a:schemeClr val="tx1">
-                        <a:lumMod val="85000"/>
-                        <a:lumOff val="15000"/>
-                      </a:schemeClr>
-                    </a:solidFill>
-                  </a:rPr>
-                  <a:t>, </a:t>
-                </a:r>
-                <a:r>
-                  <a:rPr lang="en-US" altLang="zh-CN" dirty="0" smtClean="0">
-                    <a:solidFill>
-                      <a:schemeClr val="tx1">
-                        <a:lumMod val="85000"/>
-                        <a:lumOff val="15000"/>
-                      </a:schemeClr>
-                    </a:solidFill>
-                  </a:rPr>
-                  <a:t>GTSRB</a:t>
+                  <a:t>ImageNet, GTSRB</a:t>
                 </a:r>
                 <a:endParaRPr lang="en-US" altLang="zh-CN" i="1" dirty="0" smtClean="0">
                   <a:solidFill>
@@ -6713,7 +7755,7 @@
             </p:txBody>
           </p:sp>
         </mc:Choice>
-        <mc:Fallback>
+        <mc:Fallback xmlns="">
           <p:sp>
             <p:nvSpPr>
               <p:cNvPr id="18" name="矩形 17"/>
@@ -6797,18 +7839,7 @@
                   </a:schemeClr>
                 </a:solidFill>
               </a:rPr>
-              <a:t>Black</a:t>
-            </a:r>
-            <a:r>
-              <a:rPr lang="en-US" altLang="zh-CN" sz="2000" dirty="0" err="1" smtClean="0">
-                <a:solidFill>
-                  <a:schemeClr val="tx1">
-                    <a:lumMod val="85000"/>
-                    <a:lumOff val="15000"/>
-                  </a:schemeClr>
-                </a:solidFill>
-              </a:rPr>
-              <a:t>box</a:t>
+              <a:t>Blackbox</a:t>
             </a:r>
             <a:r>
               <a:rPr lang="en-US" altLang="zh-CN" sz="2000" dirty="0" smtClean="0">
@@ -6832,8 +7863,8 @@
           </a:p>
         </p:txBody>
       </p:sp>
-      <mc:AlternateContent xmlns:mc="http://schemas.openxmlformats.org/markup-compatibility/2006">
-        <mc:Choice xmlns:a14="http://schemas.microsoft.com/office/drawing/2010/main" Requires="a14">
+      <mc:AlternateContent xmlns:mc="http://schemas.openxmlformats.org/markup-compatibility/2006" xmlns:a14="http://schemas.microsoft.com/office/drawing/2010/main">
+        <mc:Choice Requires="a14">
           <p:sp>
             <p:nvSpPr>
               <p:cNvPr id="20" name="矩形 19"/>
@@ -6873,14 +7904,6 @@
                   </a:rPr>
                   <a:t>GTSRB</a:t>
                 </a:r>
-                <a:endParaRPr lang="en-US" altLang="zh-CN" dirty="0" smtClean="0">
-                  <a:solidFill>
-                    <a:schemeClr val="tx1">
-                      <a:lumMod val="85000"/>
-                      <a:lumOff val="15000"/>
-                    </a:schemeClr>
-                  </a:solidFill>
-                </a:endParaRPr>
               </a:p>
               <a:p>
                 <a:pPr marL="285750" indent="-285750">
@@ -7201,7 +8224,7 @@
             </p:txBody>
           </p:sp>
         </mc:Choice>
-        <mc:Fallback>
+        <mc:Fallback xmlns="">
           <p:sp>
             <p:nvSpPr>
               <p:cNvPr id="20" name="矩形 19"/>
@@ -7286,6 +8309,60 @@
           </a:p>
         </p:txBody>
       </p:sp>
+      <p:pic>
+        <p:nvPicPr>
+          <p:cNvPr id="1026" name="Picture 2"/>
+          <p:cNvPicPr>
+            <a:picLocks noChangeAspect="1" noChangeArrowheads="1"/>
+          </p:cNvPicPr>
+          <p:nvPr/>
+        </p:nvPicPr>
+        <p:blipFill>
+          <a:blip r:embed="rId7">
+            <a:extLst>
+              <a:ext uri="{28A0092B-C50C-407E-A947-70E740481C1C}">
+                <a14:useLocalDpi xmlns:a14="http://schemas.microsoft.com/office/drawing/2010/main" val="0"/>
+              </a:ext>
+            </a:extLst>
+          </a:blip>
+          <a:srcRect/>
+          <a:stretch>
+            <a:fillRect/>
+          </a:stretch>
+        </p:blipFill>
+        <p:spPr bwMode="auto">
+          <a:xfrm>
+            <a:off x="1352241" y="4637012"/>
+            <a:ext cx="7183909" cy="1884924"/>
+          </a:xfrm>
+          <a:prstGeom prst="rect">
+            <a:avLst/>
+          </a:prstGeom>
+          <a:noFill/>
+          <a:ln>
+            <a:noFill/>
+          </a:ln>
+          <a:extLst>
+            <a:ext uri="{909E8E84-426E-40DD-AFC4-6F175D3DCCD1}">
+              <a14:hiddenFill xmlns:a14="http://schemas.microsoft.com/office/drawing/2010/main">
+                <a:solidFill>
+                  <a:schemeClr val="accent1"/>
+                </a:solidFill>
+              </a14:hiddenFill>
+            </a:ext>
+            <a:ext uri="{91240B29-F687-4F45-9708-019B960494DF}">
+              <a14:hiddenLine xmlns:a14="http://schemas.microsoft.com/office/drawing/2010/main" w="9525">
+                <a:solidFill>
+                  <a:schemeClr val="tx1"/>
+                </a:solidFill>
+                <a:miter lim="800000"/>
+                <a:headEnd/>
+                <a:tailEnd/>
+              </a14:hiddenLine>
+            </a:ext>
+          </a:extLst>
+        </p:spPr>
+      </p:pic>
     </p:spTree>
     <p:extLst>
       <p:ext uri="{BB962C8B-B14F-4D97-AF65-F5344CB8AC3E}">
@@ -7385,7 +8462,7 @@
 </p:sld>
 </file>
 
-<file path=ppt/slides/slide15.xml><?xml version="1.0" encoding="utf-8"?>
+<file path=ppt/slides/slide16.xml><?xml version="1.0" encoding="utf-8"?>
 <p:sld xmlns:a="http://schemas.openxmlformats.org/drawingml/2006/main" xmlns:r="http://schemas.openxmlformats.org/officeDocument/2006/relationships" xmlns:p="http://schemas.openxmlformats.org/presentationml/2006/main">
   <p:cSld>
     <p:spTree>
@@ -7945,14 +9022,6 @@
               </a:rPr>
               <a:t>Noise-like patch</a:t>
             </a:r>
-            <a:endParaRPr lang="en-US" altLang="zh-CN" dirty="0" smtClean="0">
-              <a:solidFill>
-                <a:schemeClr val="tx1">
-                  <a:lumMod val="85000"/>
-                  <a:lumOff val="15000"/>
-                </a:schemeClr>
-              </a:solidFill>
-            </a:endParaRPr>
           </a:p>
           <a:p>
             <a:pPr marL="285750" indent="-285750">
@@ -7973,14 +9042,6 @@
               </a:rPr>
               <a:t>Good-looking patch</a:t>
             </a:r>
-            <a:endParaRPr lang="en-US" altLang="zh-CN" dirty="0" smtClean="0">
-              <a:solidFill>
-                <a:schemeClr val="tx1">
-                  <a:lumMod val="85000"/>
-                  <a:lumOff val="15000"/>
-                </a:schemeClr>
-              </a:solidFill>
-            </a:endParaRPr>
           </a:p>
         </p:txBody>
       </p:sp>
@@ -8070,14 +9131,6 @@
               </a:rPr>
               <a:t>Meaningless</a:t>
             </a:r>
-            <a:endParaRPr lang="en-US" altLang="zh-CN" dirty="0" smtClean="0">
-              <a:solidFill>
-                <a:schemeClr val="tx1">
-                  <a:lumMod val="85000"/>
-                  <a:lumOff val="15000"/>
-                </a:schemeClr>
-              </a:solidFill>
-            </a:endParaRPr>
           </a:p>
           <a:p>
             <a:pPr marL="285750" indent="-285750">
@@ -8098,14 +9151,6 @@
               </a:rPr>
               <a:t>Natural and Harmonious</a:t>
             </a:r>
-            <a:endParaRPr lang="en-US" altLang="zh-CN" dirty="0" smtClean="0">
-              <a:solidFill>
-                <a:schemeClr val="tx1">
-                  <a:lumMod val="85000"/>
-                  <a:lumOff val="15000"/>
-                </a:schemeClr>
-              </a:solidFill>
-            </a:endParaRPr>
           </a:p>
         </p:txBody>
       </p:sp>
@@ -8791,7 +9836,7 @@
 </p:sld>
 </file>
 
-<file path=ppt/slides/slide16.xml><?xml version="1.0" encoding="utf-8"?>
+<file path=ppt/slides/slide17.xml><?xml version="1.0" encoding="utf-8"?>
 <p:sld xmlns:a="http://schemas.openxmlformats.org/drawingml/2006/main" xmlns:r="http://schemas.openxmlformats.org/officeDocument/2006/relationships" xmlns:p="http://schemas.openxmlformats.org/presentationml/2006/main">
   <p:cSld>
     <p:spTree>
@@ -9038,18 +10083,7 @@
                   </a:schemeClr>
                 </a:solidFill>
               </a:rPr>
-              <a:t>Various angles and </a:t>
-            </a:r>
-            <a:r>
-              <a:rPr lang="en-US" altLang="zh-CN" dirty="0" smtClean="0">
-                <a:solidFill>
-                  <a:schemeClr val="tx1">
-                    <a:lumMod val="85000"/>
-                    <a:lumOff val="15000"/>
-                  </a:schemeClr>
-                </a:solidFill>
-              </a:rPr>
-              <a:t>distances</a:t>
+              <a:t>Various angles and distances</a:t>
             </a:r>
           </a:p>
           <a:p>
@@ -9111,18 +10145,7 @@
                   </a:schemeClr>
                 </a:solidFill>
               </a:rPr>
-              <a:t> P</a:t>
-            </a:r>
-            <a:r>
-              <a:rPr lang="en-US" altLang="zh-CN" dirty="0" smtClean="0">
-                <a:solidFill>
-                  <a:schemeClr val="tx1">
-                    <a:lumMod val="85000"/>
-                    <a:lumOff val="15000"/>
-                  </a:schemeClr>
-                </a:solidFill>
-              </a:rPr>
-              <a:t>hoto</a:t>
+              <a:t> Photo</a:t>
             </a:r>
           </a:p>
           <a:p>
@@ -9144,14 +10167,6 @@
               </a:rPr>
               <a:t>86.7% --&gt; 17.2%</a:t>
             </a:r>
-            <a:endParaRPr lang="en-US" altLang="zh-CN" dirty="0" smtClean="0">
-              <a:solidFill>
-                <a:schemeClr val="tx1">
-                  <a:lumMod val="85000"/>
-                  <a:lumOff val="15000"/>
-                </a:schemeClr>
-              </a:solidFill>
-            </a:endParaRPr>
           </a:p>
         </p:txBody>
       </p:sp>
@@ -9202,7 +10217,7 @@
         </p:nvSpPr>
         <p:spPr>
           <a:xfrm>
-            <a:off x="1439932" y="5524197"/>
+            <a:off x="1439932" y="5877272"/>
             <a:ext cx="1619900" cy="360040"/>
           </a:xfrm>
           <a:prstGeom prst="rect">
@@ -9773,7 +10788,7 @@
 </p:sld>
 </file>
 
-<file path=ppt/slides/slide17.xml><?xml version="1.0" encoding="utf-8"?>
+<file path=ppt/slides/slide18.xml><?xml version="1.0" encoding="utf-8"?>
 <p:sld xmlns:a="http://schemas.openxmlformats.org/drawingml/2006/main" xmlns:r="http://schemas.openxmlformats.org/officeDocument/2006/relationships" xmlns:p="http://schemas.openxmlformats.org/presentationml/2006/main">
   <p:cSld>
     <p:spTree>
@@ -9822,7 +10837,7 @@
                   </a:schemeClr>
                 </a:solidFill>
               </a:rPr>
-              <a:t>Reference</a:t>
+              <a:t>References</a:t>
             </a:r>
             <a:endParaRPr lang="zh-CN" altLang="en-US" sz="3600" dirty="0">
               <a:solidFill>
@@ -9832,6 +10847,564 @@
                 </a:schemeClr>
               </a:solidFill>
             </a:endParaRPr>
+          </a:p>
+        </p:txBody>
+      </p:sp>
+      <p:sp>
+        <p:nvSpPr>
+          <p:cNvPr id="3" name="TextBox 2"/>
+          <p:cNvSpPr txBox="1"/>
+          <p:nvPr/>
+        </p:nvSpPr>
+        <p:spPr>
+          <a:xfrm>
+            <a:off x="251520" y="908720"/>
+            <a:ext cx="8820472" cy="5816977"/>
+          </a:xfrm>
+          <a:prstGeom prst="rect">
+            <a:avLst/>
+          </a:prstGeom>
+          <a:noFill/>
+        </p:spPr>
+        <p:txBody>
+          <a:bodyPr wrap="square" rtlCol="0">
+            <a:spAutoFit/>
+          </a:bodyPr>
+          <a:lstStyle/>
+          <a:p>
+            <a:r>
+              <a:rPr lang="en-US" altLang="zh-CN" sz="1400" dirty="0" smtClean="0"/>
+              <a:t>[1] </a:t>
+            </a:r>
+            <a:r>
+              <a:rPr lang="en-US" altLang="zh-CN" sz="1400" dirty="0" err="1" smtClean="0"/>
+              <a:t>Athalye</a:t>
+            </a:r>
+            <a:r>
+              <a:rPr lang="en-US" altLang="zh-CN" sz="1400" dirty="0"/>
+              <a:t>, A., and </a:t>
+            </a:r>
+            <a:r>
+              <a:rPr lang="en-US" altLang="zh-CN" sz="1400" dirty="0" err="1"/>
+              <a:t>Sutskever</a:t>
+            </a:r>
+            <a:r>
+              <a:rPr lang="en-US" altLang="zh-CN" sz="1400" dirty="0"/>
+              <a:t>, I. 2017. Synthesizing robust adversarial examples. </a:t>
+            </a:r>
+            <a:r>
+              <a:rPr lang="en-US" altLang="zh-CN" sz="1400" dirty="0" err="1"/>
+              <a:t>arXiv</a:t>
+            </a:r>
+            <a:r>
+              <a:rPr lang="en-US" altLang="zh-CN" sz="1400" dirty="0"/>
+              <a:t> preprint arXiv:1707.07397. </a:t>
+            </a:r>
+            <a:endParaRPr lang="en-US" altLang="zh-CN" sz="1400" dirty="0" smtClean="0"/>
+          </a:p>
+          <a:p>
+            <a:r>
+              <a:rPr lang="en-US" altLang="zh-CN" sz="1400" dirty="0" smtClean="0"/>
+              <a:t>[2] Brown</a:t>
+            </a:r>
+            <a:r>
+              <a:rPr lang="en-US" altLang="zh-CN" sz="1400" dirty="0"/>
+              <a:t>, T. B.; Mane, D.; Roy, A.; </a:t>
+            </a:r>
+            <a:r>
+              <a:rPr lang="en-US" altLang="zh-CN" sz="1400" dirty="0" err="1"/>
+              <a:t>Abadi</a:t>
+            </a:r>
+            <a:r>
+              <a:rPr lang="en-US" altLang="zh-CN" sz="1400" dirty="0"/>
+              <a:t>, M.; and Gilmer, J.  </a:t>
+            </a:r>
+            <a:r>
+              <a:rPr lang="en-US" altLang="zh-CN" sz="1400" dirty="0" smtClean="0"/>
+              <a:t>2017</a:t>
+            </a:r>
+            <a:r>
+              <a:rPr lang="en-US" altLang="zh-CN" sz="1400" dirty="0"/>
+              <a:t>. Adversarial patch. </a:t>
+            </a:r>
+            <a:r>
+              <a:rPr lang="en-US" altLang="zh-CN" sz="1400" dirty="0" err="1"/>
+              <a:t>arXiv</a:t>
+            </a:r>
+            <a:r>
+              <a:rPr lang="en-US" altLang="zh-CN" sz="1400" dirty="0"/>
+              <a:t> preprint arXiv:1712.09665. </a:t>
+            </a:r>
+            <a:endParaRPr lang="en-US" altLang="zh-CN" sz="1400" dirty="0" smtClean="0"/>
+          </a:p>
+          <a:p>
+            <a:r>
+              <a:rPr lang="en-US" altLang="zh-CN" sz="1400" dirty="0" smtClean="0"/>
+              <a:t>[3] </a:t>
+            </a:r>
+            <a:r>
+              <a:rPr lang="en-US" altLang="zh-CN" sz="1400" dirty="0" err="1" smtClean="0"/>
+              <a:t>Evtimov</a:t>
+            </a:r>
+            <a:r>
+              <a:rPr lang="en-US" altLang="zh-CN" sz="1400" dirty="0"/>
+              <a:t>, I.; </a:t>
+            </a:r>
+            <a:r>
+              <a:rPr lang="en-US" altLang="zh-CN" sz="1400" dirty="0" err="1"/>
+              <a:t>Eykholt</a:t>
+            </a:r>
+            <a:r>
+              <a:rPr lang="en-US" altLang="zh-CN" sz="1400" dirty="0"/>
+              <a:t>, K.; </a:t>
+            </a:r>
+            <a:r>
+              <a:rPr lang="en-US" altLang="zh-CN" sz="1400" dirty="0" err="1"/>
+              <a:t>Fernandes</a:t>
+            </a:r>
+            <a:r>
+              <a:rPr lang="en-US" altLang="zh-CN" sz="1400" dirty="0"/>
+              <a:t>, E.; Kohno, T.; Li, B.; Prakash, A.; Rahmati, A.; and Song, D. 2017. Robust physical-world attacks on deep learning models. </a:t>
+            </a:r>
+            <a:r>
+              <a:rPr lang="en-US" altLang="zh-CN" sz="1400" dirty="0" err="1"/>
+              <a:t>arXiv</a:t>
+            </a:r>
+            <a:r>
+              <a:rPr lang="en-US" altLang="zh-CN" sz="1400" dirty="0"/>
+              <a:t> preprint arXiv:1707.08945 </a:t>
+            </a:r>
+          </a:p>
+          <a:p>
+            <a:r>
+              <a:rPr lang="en-US" altLang="zh-CN" sz="1400" dirty="0" smtClean="0"/>
+              <a:t>[4] </a:t>
+            </a:r>
+            <a:r>
+              <a:rPr lang="en-US" altLang="zh-CN" sz="1400" dirty="0" err="1" smtClean="0"/>
+              <a:t>Goodfellow</a:t>
+            </a:r>
+            <a:r>
+              <a:rPr lang="en-US" altLang="zh-CN" sz="1400" dirty="0"/>
+              <a:t>, I. J.; </a:t>
+            </a:r>
+            <a:r>
+              <a:rPr lang="en-US" altLang="zh-CN" sz="1400" dirty="0" err="1"/>
+              <a:t>Pouget-Abadie</a:t>
+            </a:r>
+            <a:r>
+              <a:rPr lang="en-US" altLang="zh-CN" sz="1400" dirty="0"/>
+              <a:t>, J.; Mirza, M.; Xu, B.; </a:t>
+            </a:r>
+            <a:r>
+              <a:rPr lang="en-US" altLang="zh-CN" sz="1400" dirty="0" err="1"/>
+              <a:t>Warde</a:t>
+            </a:r>
+            <a:r>
+              <a:rPr lang="en-US" altLang="zh-CN" sz="1400" dirty="0"/>
+              <a:t>-Farley, D.; </a:t>
+            </a:r>
+            <a:r>
+              <a:rPr lang="en-US" altLang="zh-CN" sz="1400" dirty="0" err="1"/>
+              <a:t>Ozair</a:t>
+            </a:r>
+            <a:r>
+              <a:rPr lang="en-US" altLang="zh-CN" sz="1400" dirty="0"/>
+              <a:t>, S.; </a:t>
+            </a:r>
+            <a:r>
+              <a:rPr lang="en-US" altLang="zh-CN" sz="1400" dirty="0" err="1"/>
+              <a:t>Courville</a:t>
+            </a:r>
+            <a:r>
+              <a:rPr lang="en-US" altLang="zh-CN" sz="1400" dirty="0"/>
+              <a:t>, A.; and </a:t>
+            </a:r>
+            <a:r>
+              <a:rPr lang="en-US" altLang="zh-CN" sz="1400" dirty="0" err="1"/>
+              <a:t>Bengio</a:t>
+            </a:r>
+            <a:r>
+              <a:rPr lang="en-US" altLang="zh-CN" sz="1400" dirty="0"/>
+              <a:t>, Y. 2014. Generative adversarial nets. Advances in Neural Information Processing Systems, 2672–2680. </a:t>
+            </a:r>
+            <a:endParaRPr lang="en-US" altLang="zh-CN" sz="1400" dirty="0" smtClean="0"/>
+          </a:p>
+          <a:p>
+            <a:r>
+              <a:rPr lang="en-US" altLang="zh-CN" sz="1400" dirty="0" smtClean="0"/>
+              <a:t>[5] </a:t>
+            </a:r>
+            <a:r>
+              <a:rPr lang="en-US" altLang="zh-CN" sz="1400" dirty="0" err="1" smtClean="0"/>
+              <a:t>Goodfellow</a:t>
+            </a:r>
+            <a:r>
+              <a:rPr lang="en-US" altLang="zh-CN" sz="1400" dirty="0"/>
+              <a:t>, I. J.; </a:t>
+            </a:r>
+            <a:r>
+              <a:rPr lang="en-US" altLang="zh-CN" sz="1400" dirty="0" err="1"/>
+              <a:t>Shlens</a:t>
+            </a:r>
+            <a:r>
+              <a:rPr lang="en-US" altLang="zh-CN" sz="1400" dirty="0"/>
+              <a:t>, J.; and </a:t>
+            </a:r>
+            <a:r>
+              <a:rPr lang="en-US" altLang="zh-CN" sz="1400" dirty="0" err="1"/>
+              <a:t>Szegedy</a:t>
+            </a:r>
+            <a:r>
+              <a:rPr lang="en-US" altLang="zh-CN" sz="1400" dirty="0"/>
+              <a:t>, C. Explaining and harnessing adversarial examples (2014). </a:t>
+            </a:r>
+            <a:r>
+              <a:rPr lang="en-US" altLang="zh-CN" sz="1400" dirty="0" err="1"/>
+              <a:t>arXiv</a:t>
+            </a:r>
+            <a:r>
+              <a:rPr lang="en-US" altLang="zh-CN" sz="1400" dirty="0"/>
+              <a:t> preprint arXiv:1412.6572</a:t>
+            </a:r>
+            <a:r>
+              <a:rPr lang="en-US" altLang="zh-CN" sz="1400" dirty="0" smtClean="0"/>
+              <a:t>. </a:t>
+            </a:r>
+          </a:p>
+          <a:p>
+            <a:r>
+              <a:rPr lang="en-US" altLang="zh-CN" sz="1400" dirty="0" smtClean="0"/>
+              <a:t>[6] </a:t>
+            </a:r>
+            <a:r>
+              <a:rPr lang="en-US" altLang="zh-CN" sz="1400" dirty="0" err="1" smtClean="0"/>
+              <a:t>Houben</a:t>
+            </a:r>
+            <a:r>
+              <a:rPr lang="en-US" altLang="zh-CN" sz="1400" dirty="0"/>
+              <a:t>, S.; </a:t>
+            </a:r>
+            <a:r>
+              <a:rPr lang="en-US" altLang="zh-CN" sz="1400" dirty="0" err="1"/>
+              <a:t>Stallkamp</a:t>
+            </a:r>
+            <a:r>
+              <a:rPr lang="en-US" altLang="zh-CN" sz="1400" dirty="0"/>
+              <a:t>, J.; </a:t>
+            </a:r>
+            <a:r>
+              <a:rPr lang="en-US" altLang="zh-CN" sz="1400" dirty="0" err="1"/>
+              <a:t>Salmen</a:t>
+            </a:r>
+            <a:r>
+              <a:rPr lang="en-US" altLang="zh-CN" sz="1400" dirty="0"/>
+              <a:t>, J.; </a:t>
+            </a:r>
+            <a:r>
+              <a:rPr lang="en-US" altLang="zh-CN" sz="1400" dirty="0" err="1"/>
+              <a:t>Schlipsing</a:t>
+            </a:r>
+            <a:r>
+              <a:rPr lang="en-US" altLang="zh-CN" sz="1400" dirty="0"/>
+              <a:t>, M.; and </a:t>
+            </a:r>
+            <a:r>
+              <a:rPr lang="en-US" altLang="zh-CN" sz="1400" dirty="0" err="1"/>
+              <a:t>Igel</a:t>
+            </a:r>
+            <a:r>
+              <a:rPr lang="en-US" altLang="zh-CN" sz="1400" dirty="0"/>
+              <a:t>, C. 2008. Detection of traffic signs in real-world images: The </a:t>
+            </a:r>
+            <a:r>
+              <a:rPr lang="en-US" altLang="zh-CN" sz="1400" dirty="0" err="1"/>
+              <a:t>german</a:t>
+            </a:r>
+            <a:r>
+              <a:rPr lang="en-US" altLang="zh-CN" sz="1400" dirty="0"/>
+              <a:t> traffic sign detection benchmark. In International Joint Conference on Neural Networks, 1–8. </a:t>
+            </a:r>
+            <a:endParaRPr lang="en-US" altLang="zh-CN" sz="1400" dirty="0" smtClean="0"/>
+          </a:p>
+          <a:p>
+            <a:r>
+              <a:rPr lang="en-US" altLang="zh-CN" sz="1400" dirty="0" smtClean="0"/>
+              <a:t>[7] Isola</a:t>
+            </a:r>
+            <a:r>
+              <a:rPr lang="en-US" altLang="zh-CN" sz="1400" dirty="0"/>
+              <a:t>, P.; Zhu, J. Y.; Zhou, T.; and </a:t>
+            </a:r>
+            <a:r>
+              <a:rPr lang="en-US" altLang="zh-CN" sz="1400" dirty="0" err="1"/>
+              <a:t>Efros</a:t>
+            </a:r>
+            <a:r>
+              <a:rPr lang="en-US" altLang="zh-CN" sz="1400" dirty="0"/>
+              <a:t>, A. A. 2017. </a:t>
+            </a:r>
+            <a:r>
+              <a:rPr lang="en-US" altLang="zh-CN" sz="1400" dirty="0" err="1"/>
+              <a:t>Imageto</a:t>
+            </a:r>
+            <a:r>
+              <a:rPr lang="en-US" altLang="zh-CN" sz="1400" dirty="0"/>
+              <a:t>-image translation with conditional adversarial networks. In IEEE Conference on Computer Vision and Pattern Recognition, </a:t>
+            </a:r>
+            <a:r>
+              <a:rPr lang="en-US" altLang="zh-CN" sz="1400" dirty="0" smtClean="0"/>
+              <a:t>5967–5976. </a:t>
+            </a:r>
+          </a:p>
+          <a:p>
+            <a:r>
+              <a:rPr lang="en-US" altLang="zh-CN" sz="1400" dirty="0" smtClean="0"/>
+              <a:t>[8] Johnson</a:t>
+            </a:r>
+            <a:r>
+              <a:rPr lang="en-US" altLang="zh-CN" sz="1400" dirty="0"/>
+              <a:t>, J.; </a:t>
+            </a:r>
+            <a:r>
+              <a:rPr lang="en-US" altLang="zh-CN" sz="1400" dirty="0" err="1"/>
+              <a:t>Alahi</a:t>
+            </a:r>
+            <a:r>
+              <a:rPr lang="en-US" altLang="zh-CN" sz="1400" dirty="0"/>
+              <a:t>, A.; and Li, F. F. 2016. Perceptual losses for real-time style transfer and super-resolution. In European Conference on Computer Vision, 694–711</a:t>
+            </a:r>
+            <a:r>
+              <a:rPr lang="en-US" altLang="zh-CN" sz="1400" dirty="0" smtClean="0"/>
+              <a:t>.</a:t>
+            </a:r>
+          </a:p>
+          <a:p>
+            <a:r>
+              <a:rPr lang="en-US" altLang="zh-CN" sz="1400" dirty="0"/>
+              <a:t>[9] </a:t>
+            </a:r>
+            <a:r>
+              <a:rPr lang="en-US" altLang="zh-CN" sz="1400" dirty="0" err="1"/>
+              <a:t>Karmon</a:t>
+            </a:r>
+            <a:r>
+              <a:rPr lang="en-US" altLang="zh-CN" sz="1400" dirty="0"/>
+              <a:t>, D.; Zoran, D.; and Goldberg, Y. 2018. </a:t>
+            </a:r>
+            <a:r>
+              <a:rPr lang="en-US" altLang="zh-CN" sz="1400" dirty="0" err="1"/>
+              <a:t>Lavan</a:t>
+            </a:r>
+            <a:r>
+              <a:rPr lang="en-US" altLang="zh-CN" sz="1400" dirty="0"/>
+              <a:t>: Localized and visible adversarial noise. </a:t>
+            </a:r>
+            <a:r>
+              <a:rPr lang="en-US" altLang="zh-CN" sz="1400" dirty="0" err="1"/>
+              <a:t>arXiv</a:t>
+            </a:r>
+            <a:r>
+              <a:rPr lang="en-US" altLang="zh-CN" sz="1400" dirty="0"/>
+              <a:t> preprint arXiv:1801.02608. </a:t>
+            </a:r>
+            <a:endParaRPr lang="en-US" altLang="zh-CN" sz="1400" dirty="0" smtClean="0"/>
+          </a:p>
+          <a:p>
+            <a:r>
+              <a:rPr lang="en-US" altLang="zh-CN" sz="1400" dirty="0"/>
+              <a:t>[10] </a:t>
+            </a:r>
+            <a:r>
+              <a:rPr lang="en-US" altLang="zh-CN" sz="1400" dirty="0" err="1"/>
+              <a:t>Kurakin</a:t>
+            </a:r>
+            <a:r>
+              <a:rPr lang="en-US" altLang="zh-CN" sz="1400" dirty="0"/>
+              <a:t>, A.; </a:t>
+            </a:r>
+            <a:r>
+              <a:rPr lang="en-US" altLang="zh-CN" sz="1400" dirty="0" err="1"/>
+              <a:t>Goodfellow</a:t>
+            </a:r>
+            <a:r>
+              <a:rPr lang="en-US" altLang="zh-CN" sz="1400" dirty="0"/>
+              <a:t>, I.; and </a:t>
+            </a:r>
+            <a:r>
+              <a:rPr lang="en-US" altLang="zh-CN" sz="1400" dirty="0" err="1"/>
+              <a:t>Bengio</a:t>
+            </a:r>
+            <a:r>
+              <a:rPr lang="en-US" altLang="zh-CN" sz="1400" dirty="0"/>
+              <a:t>, S. 2016. Adversarial examples in the physical world. </a:t>
+            </a:r>
+            <a:r>
+              <a:rPr lang="en-US" altLang="zh-CN" sz="1400" dirty="0" err="1"/>
+              <a:t>arXiv</a:t>
+            </a:r>
+            <a:r>
+              <a:rPr lang="en-US" altLang="zh-CN" sz="1400" dirty="0"/>
+              <a:t> preprint arXiv:1607.02533</a:t>
+            </a:r>
+            <a:r>
+              <a:rPr lang="en-US" altLang="zh-CN" sz="1400" dirty="0" smtClean="0"/>
+              <a:t>.</a:t>
+            </a:r>
+          </a:p>
+          <a:p>
+            <a:r>
+              <a:rPr lang="en-US" altLang="zh-CN" sz="1400" dirty="0"/>
+              <a:t>[11] Pathak, D.; </a:t>
+            </a:r>
+            <a:r>
+              <a:rPr lang="en-US" altLang="zh-CN" sz="1400" dirty="0" err="1"/>
+              <a:t>Krahenbuhl</a:t>
+            </a:r>
+            <a:r>
+              <a:rPr lang="en-US" altLang="zh-CN" sz="1400" dirty="0"/>
+              <a:t>, P.; Donahue, J.; Darrell, T.; and </a:t>
+            </a:r>
+            <a:r>
+              <a:rPr lang="en-US" altLang="zh-CN" sz="1400" dirty="0" err="1"/>
+              <a:t>Efros</a:t>
+            </a:r>
+            <a:r>
+              <a:rPr lang="en-US" altLang="zh-CN" sz="1400" dirty="0"/>
+              <a:t>, A. A. 2016. Context encoders: Feature learning by </a:t>
+            </a:r>
+            <a:r>
+              <a:rPr lang="en-US" altLang="zh-CN" sz="1400" dirty="0" err="1"/>
+              <a:t>inpainting</a:t>
+            </a:r>
+            <a:r>
+              <a:rPr lang="en-US" altLang="zh-CN" sz="1400" dirty="0"/>
+              <a:t>. In The IEEE Conference on Computer Vision and Pattern Recognition, 2536–2544</a:t>
+            </a:r>
+            <a:r>
+              <a:rPr lang="en-US" altLang="zh-CN" sz="1400" dirty="0" smtClean="0"/>
+              <a:t>.</a:t>
+            </a:r>
+          </a:p>
+          <a:p>
+            <a:r>
+              <a:rPr lang="en-US" altLang="zh-CN" sz="1400" dirty="0"/>
+              <a:t>[12] </a:t>
+            </a:r>
+            <a:r>
+              <a:rPr lang="en-US" altLang="zh-CN" sz="1400" dirty="0" err="1"/>
+              <a:t>Selvaraju</a:t>
+            </a:r>
+            <a:r>
+              <a:rPr lang="en-US" altLang="zh-CN" sz="1400" dirty="0"/>
+              <a:t>, R. R.; Das, A.; </a:t>
+            </a:r>
+            <a:r>
+              <a:rPr lang="en-US" altLang="zh-CN" sz="1400" dirty="0" err="1"/>
+              <a:t>Vedantam</a:t>
+            </a:r>
+            <a:r>
+              <a:rPr lang="en-US" altLang="zh-CN" sz="1400" dirty="0"/>
+              <a:t>, R.; Cogswell, M.; Parikh, D.; and </a:t>
+            </a:r>
+            <a:r>
+              <a:rPr lang="en-US" altLang="zh-CN" sz="1400" dirty="0" err="1"/>
+              <a:t>Batra</a:t>
+            </a:r>
+            <a:r>
+              <a:rPr lang="en-US" altLang="zh-CN" sz="1400" dirty="0"/>
+              <a:t>, D. 2016. Grad-cam: Why did you say that? visual explanations from deep networks via </a:t>
+            </a:r>
+            <a:r>
+              <a:rPr lang="en-US" altLang="zh-CN" sz="1400" dirty="0" err="1"/>
+              <a:t>gradientbased</a:t>
+            </a:r>
+            <a:r>
+              <a:rPr lang="en-US" altLang="zh-CN" sz="1400" dirty="0"/>
+              <a:t> localization. </a:t>
+            </a:r>
+            <a:r>
+              <a:rPr lang="en-US" altLang="zh-CN" sz="1400" dirty="0" err="1"/>
+              <a:t>CoRR</a:t>
+            </a:r>
+            <a:r>
+              <a:rPr lang="en-US" altLang="zh-CN" sz="1400" dirty="0"/>
+              <a:t>, abs/1610.02391, 7</a:t>
+            </a:r>
+            <a:r>
+              <a:rPr lang="en-US" altLang="zh-CN" sz="1400" dirty="0" smtClean="0"/>
+              <a:t>.</a:t>
+            </a:r>
+          </a:p>
+          <a:p>
+            <a:r>
+              <a:rPr lang="en-US" altLang="zh-CN" sz="1400" dirty="0"/>
+              <a:t>[13] </a:t>
+            </a:r>
+            <a:r>
+              <a:rPr lang="en-US" altLang="zh-CN" sz="1400" dirty="0" err="1"/>
+              <a:t>Szegedy</a:t>
+            </a:r>
+            <a:r>
+              <a:rPr lang="en-US" altLang="zh-CN" sz="1400" dirty="0"/>
+              <a:t>, C.; </a:t>
+            </a:r>
+            <a:r>
+              <a:rPr lang="en-US" altLang="zh-CN" sz="1400" dirty="0" err="1"/>
+              <a:t>Zaremba</a:t>
+            </a:r>
+            <a:r>
+              <a:rPr lang="en-US" altLang="zh-CN" sz="1400" dirty="0"/>
+              <a:t>, W.; </a:t>
+            </a:r>
+            <a:r>
+              <a:rPr lang="en-US" altLang="zh-CN" sz="1400" dirty="0" err="1"/>
+              <a:t>Sutskever</a:t>
+            </a:r>
+            <a:r>
+              <a:rPr lang="en-US" altLang="zh-CN" sz="1400" dirty="0"/>
+              <a:t>, I.; Bruna, J.; </a:t>
+            </a:r>
+            <a:r>
+              <a:rPr lang="en-US" altLang="zh-CN" sz="1400" dirty="0" err="1"/>
+              <a:t>Erhan</a:t>
+            </a:r>
+            <a:r>
+              <a:rPr lang="en-US" altLang="zh-CN" sz="1400" dirty="0"/>
+              <a:t>, D.; </a:t>
+            </a:r>
+            <a:r>
+              <a:rPr lang="en-US" altLang="zh-CN" sz="1400" dirty="0" err="1"/>
+              <a:t>Goodfellow</a:t>
+            </a:r>
+            <a:r>
+              <a:rPr lang="en-US" altLang="zh-CN" sz="1400" dirty="0"/>
+              <a:t>, I.; and Fergus, R. 2013. Intriguing properties of neural networks. </a:t>
+            </a:r>
+            <a:r>
+              <a:rPr lang="en-US" altLang="zh-CN" sz="1400" dirty="0" err="1"/>
+              <a:t>arXiv</a:t>
+            </a:r>
+            <a:r>
+              <a:rPr lang="en-US" altLang="zh-CN" sz="1400" dirty="0"/>
+              <a:t> preprint arXiv:1312.6199. </a:t>
+            </a:r>
+            <a:endParaRPr lang="en-US" altLang="zh-CN" sz="1400" dirty="0" smtClean="0"/>
+          </a:p>
+          <a:p>
+            <a:r>
+              <a:rPr lang="en-US" altLang="zh-CN" sz="1400" dirty="0"/>
+              <a:t>[14] Xiao, C.; Li, B.; Zhu, J.-Y.; He, W.; Liu, M.; and Song, D. 2018. Generating adversarial examples with adversarial networks. </a:t>
+            </a:r>
+            <a:r>
+              <a:rPr lang="en-US" altLang="zh-CN" sz="1400" dirty="0" err="1"/>
+              <a:t>arXiv</a:t>
+            </a:r>
+            <a:r>
+              <a:rPr lang="en-US" altLang="zh-CN" sz="1400" dirty="0"/>
+              <a:t> preprint arXiv:1801.02610. </a:t>
+            </a:r>
+            <a:endParaRPr lang="zh-CN" altLang="en-US" sz="1400" dirty="0"/>
           </a:p>
         </p:txBody>
       </p:sp>
@@ -9848,7 +11421,7 @@
 </p:sld>
 </file>
 
-<file path=ppt/slides/slide18.xml><?xml version="1.0" encoding="utf-8"?>
+<file path=ppt/slides/slide19.xml><?xml version="1.0" encoding="utf-8"?>
 <p:sld xmlns:a="http://schemas.openxmlformats.org/drawingml/2006/main" xmlns:r="http://schemas.openxmlformats.org/officeDocument/2006/relationships" xmlns:p="http://schemas.openxmlformats.org/presentationml/2006/main">
   <p:cSld>
     <p:spTree>
@@ -9944,7 +11517,7 @@
           <p:cNvPr id="79" name="Rectangle 131">
             <a:extLst>
               <a:ext uri="{FF2B5EF4-FFF2-40B4-BE49-F238E27FC236}">
-                <a16:creationId xmlns="" xmlns:a16="http://schemas.microsoft.com/office/drawing/2014/main" id="{494734B8-0FFC-432F-AAEB-7822E5F23779}"/>
+                <a16:creationId xmlns:a16="http://schemas.microsoft.com/office/drawing/2014/main" xmlns="" id="{494734B8-0FFC-432F-AAEB-7822E5F23779}"/>
               </a:ext>
             </a:extLst>
           </p:cNvPr>
@@ -10009,7 +11582,7 @@
           <p:cNvPr id="78" name="Rectangle 131">
             <a:extLst>
               <a:ext uri="{FF2B5EF4-FFF2-40B4-BE49-F238E27FC236}">
-                <a16:creationId xmlns="" xmlns:a16="http://schemas.microsoft.com/office/drawing/2014/main" id="{494734B8-0FFC-432F-AAEB-7822E5F23779}"/>
+                <a16:creationId xmlns:a16="http://schemas.microsoft.com/office/drawing/2014/main" xmlns="" id="{494734B8-0FFC-432F-AAEB-7822E5F23779}"/>
               </a:ext>
             </a:extLst>
           </p:cNvPr>
@@ -10074,7 +11647,7 @@
           <p:cNvPr id="77" name="Rectangle 131">
             <a:extLst>
               <a:ext uri="{FF2B5EF4-FFF2-40B4-BE49-F238E27FC236}">
-                <a16:creationId xmlns="" xmlns:a16="http://schemas.microsoft.com/office/drawing/2014/main" id="{494734B8-0FFC-432F-AAEB-7822E5F23779}"/>
+                <a16:creationId xmlns:a16="http://schemas.microsoft.com/office/drawing/2014/main" xmlns="" id="{494734B8-0FFC-432F-AAEB-7822E5F23779}"/>
               </a:ext>
             </a:extLst>
           </p:cNvPr>
@@ -10139,7 +11712,7 @@
           <p:cNvPr id="76" name="Rectangle 131">
             <a:extLst>
               <a:ext uri="{FF2B5EF4-FFF2-40B4-BE49-F238E27FC236}">
-                <a16:creationId xmlns="" xmlns:a16="http://schemas.microsoft.com/office/drawing/2014/main" id="{494734B8-0FFC-432F-AAEB-7822E5F23779}"/>
+                <a16:creationId xmlns:a16="http://schemas.microsoft.com/office/drawing/2014/main" xmlns="" id="{494734B8-0FFC-432F-AAEB-7822E5F23779}"/>
               </a:ext>
             </a:extLst>
           </p:cNvPr>
@@ -10204,7 +11777,7 @@
           <p:cNvPr id="75" name="Rectangle 131">
             <a:extLst>
               <a:ext uri="{FF2B5EF4-FFF2-40B4-BE49-F238E27FC236}">
-                <a16:creationId xmlns="" xmlns:a16="http://schemas.microsoft.com/office/drawing/2014/main" id="{494734B8-0FFC-432F-AAEB-7822E5F23779}"/>
+                <a16:creationId xmlns:a16="http://schemas.microsoft.com/office/drawing/2014/main" xmlns="" id="{494734B8-0FFC-432F-AAEB-7822E5F23779}"/>
               </a:ext>
             </a:extLst>
           </p:cNvPr>
@@ -10301,7 +11874,7 @@
           <p:cNvPr id="74" name="Rectangle 131">
             <a:extLst>
               <a:ext uri="{FF2B5EF4-FFF2-40B4-BE49-F238E27FC236}">
-                <a16:creationId xmlns="" xmlns:a16="http://schemas.microsoft.com/office/drawing/2014/main" id="{494734B8-0FFC-432F-AAEB-7822E5F23779}"/>
+                <a16:creationId xmlns:a16="http://schemas.microsoft.com/office/drawing/2014/main" xmlns="" id="{494734B8-0FFC-432F-AAEB-7822E5F23779}"/>
               </a:ext>
             </a:extLst>
           </p:cNvPr>
@@ -10522,7 +12095,7 @@
           <p:cNvPr id="25" name="Rectangle 131">
             <a:extLst>
               <a:ext uri="{FF2B5EF4-FFF2-40B4-BE49-F238E27FC236}">
-                <a16:creationId xmlns="" xmlns:a16="http://schemas.microsoft.com/office/drawing/2014/main" id="{542FEC42-EC1B-4DE2-85A1-C2E3D1C7EFC7}"/>
+                <a16:creationId xmlns:a16="http://schemas.microsoft.com/office/drawing/2014/main" xmlns="" id="{542FEC42-EC1B-4DE2-85A1-C2E3D1C7EFC7}"/>
               </a:ext>
             </a:extLst>
           </p:cNvPr>
@@ -10603,7 +12176,7 @@
           <p:cNvPr id="26" name="梯形 25">
             <a:extLst>
               <a:ext uri="{FF2B5EF4-FFF2-40B4-BE49-F238E27FC236}">
-                <a16:creationId xmlns="" xmlns:a16="http://schemas.microsoft.com/office/drawing/2014/main" id="{6C52A23F-C2B5-43BD-A4B3-2A46FD2222CE}"/>
+                <a16:creationId xmlns:a16="http://schemas.microsoft.com/office/drawing/2014/main" xmlns="" id="{6C52A23F-C2B5-43BD-A4B3-2A46FD2222CE}"/>
               </a:ext>
             </a:extLst>
           </p:cNvPr>
@@ -10669,7 +12242,7 @@
           <p:cNvPr id="27" name="椭圆 26">
             <a:extLst>
               <a:ext uri="{FF2B5EF4-FFF2-40B4-BE49-F238E27FC236}">
-                <a16:creationId xmlns="" xmlns:a16="http://schemas.microsoft.com/office/drawing/2014/main" id="{137EED9E-C2A0-4ADD-B3C6-4E480AD5260A}"/>
+                <a16:creationId xmlns:a16="http://schemas.microsoft.com/office/drawing/2014/main" xmlns="" id="{137EED9E-C2A0-4ADD-B3C6-4E480AD5260A}"/>
               </a:ext>
             </a:extLst>
           </p:cNvPr>
@@ -10733,7 +12306,7 @@
           <p:cNvPr id="28" name="椭圆 27">
             <a:extLst>
               <a:ext uri="{FF2B5EF4-FFF2-40B4-BE49-F238E27FC236}">
-                <a16:creationId xmlns="" xmlns:a16="http://schemas.microsoft.com/office/drawing/2014/main" id="{734330FE-988C-4F21-BEA6-59AA6A22460C}"/>
+                <a16:creationId xmlns:a16="http://schemas.microsoft.com/office/drawing/2014/main" xmlns="" id="{734330FE-988C-4F21-BEA6-59AA6A22460C}"/>
               </a:ext>
             </a:extLst>
           </p:cNvPr>
@@ -10797,7 +12370,7 @@
           <p:cNvPr id="29" name="圆角矩形 14">
             <a:extLst>
               <a:ext uri="{FF2B5EF4-FFF2-40B4-BE49-F238E27FC236}">
-                <a16:creationId xmlns="" xmlns:a16="http://schemas.microsoft.com/office/drawing/2014/main" id="{2701C8B8-69A7-4077-80AA-5757BC0F8A4A}"/>
+                <a16:creationId xmlns:a16="http://schemas.microsoft.com/office/drawing/2014/main" xmlns="" id="{2701C8B8-69A7-4077-80AA-5757BC0F8A4A}"/>
               </a:ext>
             </a:extLst>
           </p:cNvPr>
@@ -10860,7 +12433,7 @@
           <p:cNvPr id="30" name="圆角矩形 57">
             <a:extLst>
               <a:ext uri="{FF2B5EF4-FFF2-40B4-BE49-F238E27FC236}">
-                <a16:creationId xmlns="" xmlns:a16="http://schemas.microsoft.com/office/drawing/2014/main" id="{C9C2AAE4-FE6D-4F82-8CC0-2D854DFE0CCB}"/>
+                <a16:creationId xmlns:a16="http://schemas.microsoft.com/office/drawing/2014/main" xmlns="" id="{C9C2AAE4-FE6D-4F82-8CC0-2D854DFE0CCB}"/>
               </a:ext>
             </a:extLst>
           </p:cNvPr>
@@ -11042,7 +12615,7 @@
           <p:cNvPr id="42" name="组合 114" descr="e7d195523061f1c04045225a878dfc257dff7dff43336007BE456E13F5D6A39C111E01A1D0DED560D1697852701D9983FFE6F8418ABA1165B5E5FB7294405997E82332F17E545E12D35CAC327149399EB621DB83A0468A8CD9488C675F6CE76F79AA0E06FEBB2A1BC3C2A11E0D8CD990FDBDF3E00D7C613CA1BE05934E2A68D77B3E2A1C7A22C155">
             <a:extLst>
               <a:ext uri="{FF2B5EF4-FFF2-40B4-BE49-F238E27FC236}">
-                <a16:creationId xmlns="" xmlns:a16="http://schemas.microsoft.com/office/drawing/2014/main" id="{47689BCD-1371-443E-9584-3D5391B87692}"/>
+                <a16:creationId xmlns:a16="http://schemas.microsoft.com/office/drawing/2014/main" xmlns="" id="{47689BCD-1371-443E-9584-3D5391B87692}"/>
               </a:ext>
             </a:extLst>
           </p:cNvPr>
@@ -11065,7 +12638,7 @@
             <p:cNvPr id="43" name="Freeform 30">
               <a:extLst>
                 <a:ext uri="{FF2B5EF4-FFF2-40B4-BE49-F238E27FC236}">
-                  <a16:creationId xmlns="" xmlns:a16="http://schemas.microsoft.com/office/drawing/2014/main" id="{97032FC7-8A18-47BB-AB1F-4A371EE24501}"/>
+                  <a16:creationId xmlns:a16="http://schemas.microsoft.com/office/drawing/2014/main" xmlns="" id="{97032FC7-8A18-47BB-AB1F-4A371EE24501}"/>
                 </a:ext>
               </a:extLst>
             </p:cNvPr>
@@ -11325,7 +12898,7 @@
             <p:cNvPr id="44" name="Freeform 31">
               <a:extLst>
                 <a:ext uri="{FF2B5EF4-FFF2-40B4-BE49-F238E27FC236}">
-                  <a16:creationId xmlns="" xmlns:a16="http://schemas.microsoft.com/office/drawing/2014/main" id="{1E7ECE3D-21D8-40AA-ABB3-1BCA9B28C023}"/>
+                  <a16:creationId xmlns:a16="http://schemas.microsoft.com/office/drawing/2014/main" xmlns="" id="{1E7ECE3D-21D8-40AA-ABB3-1BCA9B28C023}"/>
                 </a:ext>
               </a:extLst>
             </p:cNvPr>
@@ -11565,7 +13138,7 @@
             <p:cNvPr id="45" name="Freeform 32">
               <a:extLst>
                 <a:ext uri="{FF2B5EF4-FFF2-40B4-BE49-F238E27FC236}">
-                  <a16:creationId xmlns="" xmlns:a16="http://schemas.microsoft.com/office/drawing/2014/main" id="{B8F893E7-C7AC-4306-999A-E7F7C48AD025}"/>
+                  <a16:creationId xmlns:a16="http://schemas.microsoft.com/office/drawing/2014/main" xmlns="" id="{B8F893E7-C7AC-4306-999A-E7F7C48AD025}"/>
                 </a:ext>
               </a:extLst>
             </p:cNvPr>
@@ -11744,7 +13317,7 @@
             <p:cNvPr id="46" name="Freeform 33">
               <a:extLst>
                 <a:ext uri="{FF2B5EF4-FFF2-40B4-BE49-F238E27FC236}">
-                  <a16:creationId xmlns="" xmlns:a16="http://schemas.microsoft.com/office/drawing/2014/main" id="{946AF82A-73F7-4AB5-8573-19FBC4FBB6ED}"/>
+                  <a16:creationId xmlns:a16="http://schemas.microsoft.com/office/drawing/2014/main" xmlns="" id="{946AF82A-73F7-4AB5-8573-19FBC4FBB6ED}"/>
                 </a:ext>
               </a:extLst>
             </p:cNvPr>
@@ -11985,7 +13558,7 @@
           <p:cNvPr id="47" name="梯形 46">
             <a:extLst>
               <a:ext uri="{FF2B5EF4-FFF2-40B4-BE49-F238E27FC236}">
-                <a16:creationId xmlns="" xmlns:a16="http://schemas.microsoft.com/office/drawing/2014/main" id="{6C52A23F-C2B5-43BD-A4B3-2A46FD2222CE}"/>
+                <a16:creationId xmlns:a16="http://schemas.microsoft.com/office/drawing/2014/main" xmlns="" id="{6C52A23F-C2B5-43BD-A4B3-2A46FD2222CE}"/>
               </a:ext>
             </a:extLst>
           </p:cNvPr>
@@ -12051,7 +13624,7 @@
           <p:cNvPr id="48" name="椭圆 47">
             <a:extLst>
               <a:ext uri="{FF2B5EF4-FFF2-40B4-BE49-F238E27FC236}">
-                <a16:creationId xmlns="" xmlns:a16="http://schemas.microsoft.com/office/drawing/2014/main" id="{137EED9E-C2A0-4ADD-B3C6-4E480AD5260A}"/>
+                <a16:creationId xmlns:a16="http://schemas.microsoft.com/office/drawing/2014/main" xmlns="" id="{137EED9E-C2A0-4ADD-B3C6-4E480AD5260A}"/>
               </a:ext>
             </a:extLst>
           </p:cNvPr>
@@ -12115,7 +13688,7 @@
           <p:cNvPr id="49" name="椭圆 48">
             <a:extLst>
               <a:ext uri="{FF2B5EF4-FFF2-40B4-BE49-F238E27FC236}">
-                <a16:creationId xmlns="" xmlns:a16="http://schemas.microsoft.com/office/drawing/2014/main" id="{734330FE-988C-4F21-BEA6-59AA6A22460C}"/>
+                <a16:creationId xmlns:a16="http://schemas.microsoft.com/office/drawing/2014/main" xmlns="" id="{734330FE-988C-4F21-BEA6-59AA6A22460C}"/>
               </a:ext>
             </a:extLst>
           </p:cNvPr>
@@ -12179,7 +13752,7 @@
           <p:cNvPr id="50" name="圆角矩形 14">
             <a:extLst>
               <a:ext uri="{FF2B5EF4-FFF2-40B4-BE49-F238E27FC236}">
-                <a16:creationId xmlns="" xmlns:a16="http://schemas.microsoft.com/office/drawing/2014/main" id="{2701C8B8-69A7-4077-80AA-5757BC0F8A4A}"/>
+                <a16:creationId xmlns:a16="http://schemas.microsoft.com/office/drawing/2014/main" xmlns="" id="{2701C8B8-69A7-4077-80AA-5757BC0F8A4A}"/>
               </a:ext>
             </a:extLst>
           </p:cNvPr>
@@ -12234,7 +13807,7 @@
           <p:cNvPr id="51" name="圆角矩形 57">
             <a:extLst>
               <a:ext uri="{FF2B5EF4-FFF2-40B4-BE49-F238E27FC236}">
-                <a16:creationId xmlns="" xmlns:a16="http://schemas.microsoft.com/office/drawing/2014/main" id="{C9C2AAE4-FE6D-4F82-8CC0-2D854DFE0CCB}"/>
+                <a16:creationId xmlns:a16="http://schemas.microsoft.com/office/drawing/2014/main" xmlns="" id="{C9C2AAE4-FE6D-4F82-8CC0-2D854DFE0CCB}"/>
               </a:ext>
             </a:extLst>
           </p:cNvPr>
@@ -12289,7 +13862,7 @@
           <p:cNvPr id="52" name="圆角矩形 17">
             <a:extLst>
               <a:ext uri="{FF2B5EF4-FFF2-40B4-BE49-F238E27FC236}">
-                <a16:creationId xmlns="" xmlns:a16="http://schemas.microsoft.com/office/drawing/2014/main" id="{60C2FFA2-4587-4D39-A06C-25EFADDF4CB2}"/>
+                <a16:creationId xmlns:a16="http://schemas.microsoft.com/office/drawing/2014/main" xmlns="" id="{60C2FFA2-4587-4D39-A06C-25EFADDF4CB2}"/>
               </a:ext>
             </a:extLst>
           </p:cNvPr>
@@ -12353,7 +13926,7 @@
           <p:cNvPr id="53" name="矩形 52">
             <a:extLst>
               <a:ext uri="{FF2B5EF4-FFF2-40B4-BE49-F238E27FC236}">
-                <a16:creationId xmlns="" xmlns:a16="http://schemas.microsoft.com/office/drawing/2014/main" id="{50E5C443-20C8-4E07-8523-A8CA33DB5457}"/>
+                <a16:creationId xmlns:a16="http://schemas.microsoft.com/office/drawing/2014/main" xmlns="" id="{50E5C443-20C8-4E07-8523-A8CA33DB5457}"/>
               </a:ext>
             </a:extLst>
           </p:cNvPr>
@@ -12417,7 +13990,7 @@
           <p:cNvPr id="54" name="矩形 53">
             <a:extLst>
               <a:ext uri="{FF2B5EF4-FFF2-40B4-BE49-F238E27FC236}">
-                <a16:creationId xmlns="" xmlns:a16="http://schemas.microsoft.com/office/drawing/2014/main" id="{15C4CD79-9211-4E75-8B93-3D5FC5BA1C15}"/>
+                <a16:creationId xmlns:a16="http://schemas.microsoft.com/office/drawing/2014/main" xmlns="" id="{15C4CD79-9211-4E75-8B93-3D5FC5BA1C15}"/>
               </a:ext>
             </a:extLst>
           </p:cNvPr>
@@ -12561,7 +14134,7 @@
           <p:cNvPr id="64" name="梯形 63">
             <a:extLst>
               <a:ext uri="{FF2B5EF4-FFF2-40B4-BE49-F238E27FC236}">
-                <a16:creationId xmlns="" xmlns:a16="http://schemas.microsoft.com/office/drawing/2014/main" id="{6C52A23F-C2B5-43BD-A4B3-2A46FD2222CE}"/>
+                <a16:creationId xmlns:a16="http://schemas.microsoft.com/office/drawing/2014/main" xmlns="" id="{6C52A23F-C2B5-43BD-A4B3-2A46FD2222CE}"/>
               </a:ext>
             </a:extLst>
           </p:cNvPr>
@@ -12627,7 +14200,7 @@
           <p:cNvPr id="65" name="椭圆 64">
             <a:extLst>
               <a:ext uri="{FF2B5EF4-FFF2-40B4-BE49-F238E27FC236}">
-                <a16:creationId xmlns="" xmlns:a16="http://schemas.microsoft.com/office/drawing/2014/main" id="{137EED9E-C2A0-4ADD-B3C6-4E480AD5260A}"/>
+                <a16:creationId xmlns:a16="http://schemas.microsoft.com/office/drawing/2014/main" xmlns="" id="{137EED9E-C2A0-4ADD-B3C6-4E480AD5260A}"/>
               </a:ext>
             </a:extLst>
           </p:cNvPr>
@@ -12691,7 +14264,7 @@
           <p:cNvPr id="66" name="椭圆 65">
             <a:extLst>
               <a:ext uri="{FF2B5EF4-FFF2-40B4-BE49-F238E27FC236}">
-                <a16:creationId xmlns="" xmlns:a16="http://schemas.microsoft.com/office/drawing/2014/main" id="{734330FE-988C-4F21-BEA6-59AA6A22460C}"/>
+                <a16:creationId xmlns:a16="http://schemas.microsoft.com/office/drawing/2014/main" xmlns="" id="{734330FE-988C-4F21-BEA6-59AA6A22460C}"/>
               </a:ext>
             </a:extLst>
           </p:cNvPr>
@@ -13166,7 +14739,7 @@
           <p:cNvPr id="85" name="Rectangle 131">
             <a:extLst>
               <a:ext uri="{FF2B5EF4-FFF2-40B4-BE49-F238E27FC236}">
-                <a16:creationId xmlns="" xmlns:a16="http://schemas.microsoft.com/office/drawing/2014/main" id="{494734B8-0FFC-432F-AAEB-7822E5F23779}"/>
+                <a16:creationId xmlns:a16="http://schemas.microsoft.com/office/drawing/2014/main" xmlns="" id="{494734B8-0FFC-432F-AAEB-7822E5F23779}"/>
               </a:ext>
             </a:extLst>
           </p:cNvPr>
@@ -13263,7 +14836,7 @@
           <p:cNvPr id="86" name="组合 114" descr="e7d195523061f1c04045225a878dfc257dff7dff43336007BE456E13F5D6A39C111E01A1D0DED560D1697852701D9983FFE6F8418ABA1165B5E5FB7294405997E82332F17E545E12D35CAC327149399EB621DB83A0468A8CD9488C675F6CE76F79AA0E06FEBB2A1BC3C2A11E0D8CD990FDBDF3E00D7C613CA1BE05934E2A68D77B3E2A1C7A22C155">
             <a:extLst>
               <a:ext uri="{FF2B5EF4-FFF2-40B4-BE49-F238E27FC236}">
-                <a16:creationId xmlns="" xmlns:a16="http://schemas.microsoft.com/office/drawing/2014/main" id="{47689BCD-1371-443E-9584-3D5391B87692}"/>
+                <a16:creationId xmlns:a16="http://schemas.microsoft.com/office/drawing/2014/main" xmlns="" id="{47689BCD-1371-443E-9584-3D5391B87692}"/>
               </a:ext>
             </a:extLst>
           </p:cNvPr>
@@ -13286,7 +14859,7 @@
             <p:cNvPr id="87" name="Freeform 30">
               <a:extLst>
                 <a:ext uri="{FF2B5EF4-FFF2-40B4-BE49-F238E27FC236}">
-                  <a16:creationId xmlns="" xmlns:a16="http://schemas.microsoft.com/office/drawing/2014/main" id="{97032FC7-8A18-47BB-AB1F-4A371EE24501}"/>
+                  <a16:creationId xmlns:a16="http://schemas.microsoft.com/office/drawing/2014/main" xmlns="" id="{97032FC7-8A18-47BB-AB1F-4A371EE24501}"/>
                 </a:ext>
               </a:extLst>
             </p:cNvPr>
@@ -13546,7 +15119,7 @@
             <p:cNvPr id="88" name="Freeform 31">
               <a:extLst>
                 <a:ext uri="{FF2B5EF4-FFF2-40B4-BE49-F238E27FC236}">
-                  <a16:creationId xmlns="" xmlns:a16="http://schemas.microsoft.com/office/drawing/2014/main" id="{1E7ECE3D-21D8-40AA-ABB3-1BCA9B28C023}"/>
+                  <a16:creationId xmlns:a16="http://schemas.microsoft.com/office/drawing/2014/main" xmlns="" id="{1E7ECE3D-21D8-40AA-ABB3-1BCA9B28C023}"/>
                 </a:ext>
               </a:extLst>
             </p:cNvPr>
@@ -13786,7 +15359,7 @@
             <p:cNvPr id="89" name="Freeform 32">
               <a:extLst>
                 <a:ext uri="{FF2B5EF4-FFF2-40B4-BE49-F238E27FC236}">
-                  <a16:creationId xmlns="" xmlns:a16="http://schemas.microsoft.com/office/drawing/2014/main" id="{B8F893E7-C7AC-4306-999A-E7F7C48AD025}"/>
+                  <a16:creationId xmlns:a16="http://schemas.microsoft.com/office/drawing/2014/main" xmlns="" id="{B8F893E7-C7AC-4306-999A-E7F7C48AD025}"/>
                 </a:ext>
               </a:extLst>
             </p:cNvPr>
@@ -13965,7 +15538,7 @@
             <p:cNvPr id="90" name="Freeform 33">
               <a:extLst>
                 <a:ext uri="{FF2B5EF4-FFF2-40B4-BE49-F238E27FC236}">
-                  <a16:creationId xmlns="" xmlns:a16="http://schemas.microsoft.com/office/drawing/2014/main" id="{946AF82A-73F7-4AB5-8573-19FBC4FBB6ED}"/>
+                  <a16:creationId xmlns:a16="http://schemas.microsoft.com/office/drawing/2014/main" xmlns="" id="{946AF82A-73F7-4AB5-8573-19FBC4FBB6ED}"/>
                 </a:ext>
               </a:extLst>
             </p:cNvPr>
@@ -14206,7 +15779,7 @@
           <p:cNvPr id="91" name="Rectangle 131">
             <a:extLst>
               <a:ext uri="{FF2B5EF4-FFF2-40B4-BE49-F238E27FC236}">
-                <a16:creationId xmlns="" xmlns:a16="http://schemas.microsoft.com/office/drawing/2014/main" id="{494734B8-0FFC-432F-AAEB-7822E5F23779}"/>
+                <a16:creationId xmlns:a16="http://schemas.microsoft.com/office/drawing/2014/main" xmlns="" id="{494734B8-0FFC-432F-AAEB-7822E5F23779}"/>
               </a:ext>
             </a:extLst>
           </p:cNvPr>
@@ -14271,7 +15844,7 @@
           <p:cNvPr id="92" name="Rectangle 131">
             <a:extLst>
               <a:ext uri="{FF2B5EF4-FFF2-40B4-BE49-F238E27FC236}">
-                <a16:creationId xmlns="" xmlns:a16="http://schemas.microsoft.com/office/drawing/2014/main" id="{494734B8-0FFC-432F-AAEB-7822E5F23779}"/>
+                <a16:creationId xmlns:a16="http://schemas.microsoft.com/office/drawing/2014/main" xmlns="" id="{494734B8-0FFC-432F-AAEB-7822E5F23779}"/>
               </a:ext>
             </a:extLst>
           </p:cNvPr>
@@ -15149,7 +16722,7 @@
           <p:cNvPr id="94" name="加号 93">
             <a:extLst>
               <a:ext uri="{FF2B5EF4-FFF2-40B4-BE49-F238E27FC236}">
-                <a16:creationId xmlns="" xmlns:a16="http://schemas.microsoft.com/office/drawing/2014/main" id="{D8534DA5-B3C6-46C5-AB44-DC1C30AE5F1F}"/>
+                <a16:creationId xmlns:a16="http://schemas.microsoft.com/office/drawing/2014/main" xmlns="" id="{D8534DA5-B3C6-46C5-AB44-DC1C30AE5F1F}"/>
               </a:ext>
             </a:extLst>
           </p:cNvPr>
@@ -15203,7 +16776,7 @@
           <p:cNvPr id="95" name="等于号 9">
             <a:extLst>
               <a:ext uri="{FF2B5EF4-FFF2-40B4-BE49-F238E27FC236}">
-                <a16:creationId xmlns="" xmlns:a16="http://schemas.microsoft.com/office/drawing/2014/main" id="{F3A19BE5-744B-4740-BEF8-7CF032513546}"/>
+                <a16:creationId xmlns:a16="http://schemas.microsoft.com/office/drawing/2014/main" xmlns="" id="{F3A19BE5-744B-4740-BEF8-7CF032513546}"/>
               </a:ext>
             </a:extLst>
           </p:cNvPr>
@@ -15257,7 +16830,7 @@
           <p:cNvPr id="102" name="矩形 101">
             <a:extLst>
               <a:ext uri="{FF2B5EF4-FFF2-40B4-BE49-F238E27FC236}">
-                <a16:creationId xmlns="" xmlns:a16="http://schemas.microsoft.com/office/drawing/2014/main" id="{6AD56FBF-6EBD-45D6-AF18-29A820B6899B}"/>
+                <a16:creationId xmlns:a16="http://schemas.microsoft.com/office/drawing/2014/main" xmlns="" id="{6AD56FBF-6EBD-45D6-AF18-29A820B6899B}"/>
               </a:ext>
             </a:extLst>
           </p:cNvPr>
@@ -15328,7 +16901,7 @@
           <p:cNvPr id="103" name="矩形 102">
             <a:extLst>
               <a:ext uri="{FF2B5EF4-FFF2-40B4-BE49-F238E27FC236}">
-                <a16:creationId xmlns="" xmlns:a16="http://schemas.microsoft.com/office/drawing/2014/main" id="{6AD56FBF-6EBD-45D6-AF18-29A820B6899B}"/>
+                <a16:creationId xmlns:a16="http://schemas.microsoft.com/office/drawing/2014/main" xmlns="" id="{6AD56FBF-6EBD-45D6-AF18-29A820B6899B}"/>
               </a:ext>
             </a:extLst>
           </p:cNvPr>
@@ -15617,7 +17190,7 @@
           <p:cNvPr id="109" name="矩形 108">
             <a:extLst>
               <a:ext uri="{FF2B5EF4-FFF2-40B4-BE49-F238E27FC236}">
-                <a16:creationId xmlns="" xmlns:a16="http://schemas.microsoft.com/office/drawing/2014/main" id="{6AD56FBF-6EBD-45D6-AF18-29A820B6899B}"/>
+                <a16:creationId xmlns:a16="http://schemas.microsoft.com/office/drawing/2014/main" xmlns="" id="{6AD56FBF-6EBD-45D6-AF18-29A820B6899B}"/>
               </a:ext>
             </a:extLst>
           </p:cNvPr>
@@ -16206,7 +17779,7 @@
           <p:cNvPr id="115" name="加号 114">
             <a:extLst>
               <a:ext uri="{FF2B5EF4-FFF2-40B4-BE49-F238E27FC236}">
-                <a16:creationId xmlns="" xmlns:a16="http://schemas.microsoft.com/office/drawing/2014/main" id="{D8534DA5-B3C6-46C5-AB44-DC1C30AE5F1F}"/>
+                <a16:creationId xmlns:a16="http://schemas.microsoft.com/office/drawing/2014/main" xmlns="" id="{D8534DA5-B3C6-46C5-AB44-DC1C30AE5F1F}"/>
               </a:ext>
             </a:extLst>
           </p:cNvPr>
@@ -16314,7 +17887,7 @@
           <p:cNvPr id="116" name="等于号 9">
             <a:extLst>
               <a:ext uri="{FF2B5EF4-FFF2-40B4-BE49-F238E27FC236}">
-                <a16:creationId xmlns="" xmlns:a16="http://schemas.microsoft.com/office/drawing/2014/main" id="{F3A19BE5-744B-4740-BEF8-7CF032513546}"/>
+                <a16:creationId xmlns:a16="http://schemas.microsoft.com/office/drawing/2014/main" xmlns="" id="{F3A19BE5-744B-4740-BEF8-7CF032513546}"/>
               </a:ext>
             </a:extLst>
           </p:cNvPr>
@@ -16422,7 +17995,7 @@
           <p:cNvPr id="117" name="矩形 116">
             <a:extLst>
               <a:ext uri="{FF2B5EF4-FFF2-40B4-BE49-F238E27FC236}">
-                <a16:creationId xmlns="" xmlns:a16="http://schemas.microsoft.com/office/drawing/2014/main" id="{6AD56FBF-6EBD-45D6-AF18-29A820B6899B}"/>
+                <a16:creationId xmlns:a16="http://schemas.microsoft.com/office/drawing/2014/main" xmlns="" id="{6AD56FBF-6EBD-45D6-AF18-29A820B6899B}"/>
               </a:ext>
             </a:extLst>
           </p:cNvPr>
@@ -16492,7 +18065,7 @@
           <p:cNvPr id="118" name="矩形 117">
             <a:extLst>
               <a:ext uri="{FF2B5EF4-FFF2-40B4-BE49-F238E27FC236}">
-                <a16:creationId xmlns="" xmlns:a16="http://schemas.microsoft.com/office/drawing/2014/main" id="{6AD56FBF-6EBD-45D6-AF18-29A820B6899B}"/>
+                <a16:creationId xmlns:a16="http://schemas.microsoft.com/office/drawing/2014/main" xmlns="" id="{6AD56FBF-6EBD-45D6-AF18-29A820B6899B}"/>
               </a:ext>
             </a:extLst>
           </p:cNvPr>
@@ -16663,7 +18236,7 @@
           <p:cNvPr id="119" name="矩形 118">
             <a:extLst>
               <a:ext uri="{FF2B5EF4-FFF2-40B4-BE49-F238E27FC236}">
-                <a16:creationId xmlns="" xmlns:a16="http://schemas.microsoft.com/office/drawing/2014/main" id="{6AD56FBF-6EBD-45D6-AF18-29A820B6899B}"/>
+                <a16:creationId xmlns:a16="http://schemas.microsoft.com/office/drawing/2014/main" xmlns="" id="{6AD56FBF-6EBD-45D6-AF18-29A820B6899B}"/>
               </a:ext>
             </a:extLst>
           </p:cNvPr>
@@ -17883,8 +19456,8 @@
           </a:extLst>
         </p:spPr>
       </p:pic>
-      <mc:AlternateContent xmlns:mc="http://schemas.openxmlformats.org/markup-compatibility/2006">
-        <mc:Choice xmlns:a14="http://schemas.microsoft.com/office/drawing/2010/main" Requires="a14">
+      <mc:AlternateContent xmlns:mc="http://schemas.openxmlformats.org/markup-compatibility/2006" xmlns:a14="http://schemas.microsoft.com/office/drawing/2010/main">
+        <mc:Choice Requires="a14">
           <p:sp>
             <p:nvSpPr>
               <p:cNvPr id="6" name="矩形 5"/>
@@ -18084,7 +19657,7 @@
             </p:txBody>
           </p:sp>
         </mc:Choice>
-        <mc:Fallback>
+        <mc:Fallback xmlns="">
           <p:sp>
             <p:nvSpPr>
               <p:cNvPr id="6" name="矩形 5"/>
@@ -18196,8 +19769,8 @@
           </a:p>
         </p:txBody>
       </p:sp>
-      <mc:AlternateContent xmlns:mc="http://schemas.openxmlformats.org/markup-compatibility/2006">
-        <mc:Choice xmlns:a14="http://schemas.microsoft.com/office/drawing/2010/main" Requires="a14">
+      <mc:AlternateContent xmlns:mc="http://schemas.openxmlformats.org/markup-compatibility/2006" xmlns:a14="http://schemas.microsoft.com/office/drawing/2010/main">
+        <mc:Choice Requires="a14">
           <p:sp>
             <p:nvSpPr>
               <p:cNvPr id="14" name="矩形 13"/>
@@ -18477,7 +20050,7 @@
             </p:txBody>
           </p:sp>
         </mc:Choice>
-        <mc:Fallback>
+        <mc:Fallback xmlns="">
           <p:sp>
             <p:nvSpPr>
               <p:cNvPr id="14" name="矩形 13"/>
@@ -18777,8 +20350,8 @@
           </a:extLst>
         </p:spPr>
       </p:pic>
-      <mc:AlternateContent xmlns:mc="http://schemas.openxmlformats.org/markup-compatibility/2006">
-        <mc:Choice xmlns:a14="http://schemas.microsoft.com/office/drawing/2010/main" Requires="a14">
+      <mc:AlternateContent xmlns:mc="http://schemas.openxmlformats.org/markup-compatibility/2006" xmlns:a14="http://schemas.microsoft.com/office/drawing/2010/main">
+        <mc:Choice Requires="a14">
           <p:sp>
             <p:nvSpPr>
               <p:cNvPr id="6" name="矩形 5"/>
@@ -18978,7 +20551,7 @@
             </p:txBody>
           </p:sp>
         </mc:Choice>
-        <mc:Fallback>
+        <mc:Fallback xmlns="">
           <p:sp>
             <p:nvSpPr>
               <p:cNvPr id="6" name="矩形 5"/>
@@ -19090,8 +20663,8 @@
           </a:p>
         </p:txBody>
       </p:sp>
-      <mc:AlternateContent xmlns:mc="http://schemas.openxmlformats.org/markup-compatibility/2006">
-        <mc:Choice xmlns:a14="http://schemas.microsoft.com/office/drawing/2010/main" Requires="a14">
+      <mc:AlternateContent xmlns:mc="http://schemas.openxmlformats.org/markup-compatibility/2006" xmlns:a14="http://schemas.microsoft.com/office/drawing/2010/main">
+        <mc:Choice Requires="a14">
           <p:sp>
             <p:nvSpPr>
               <p:cNvPr id="14" name="矩形 13"/>
@@ -19371,7 +20944,7 @@
             </p:txBody>
           </p:sp>
         </mc:Choice>
-        <mc:Fallback>
+        <mc:Fallback xmlns="">
           <p:sp>
             <p:nvSpPr>
               <p:cNvPr id="14" name="矩形 13"/>
@@ -19900,8 +21473,8 @@
           </a:extLst>
         </p:spPr>
       </p:pic>
-      <mc:AlternateContent xmlns:mc="http://schemas.openxmlformats.org/markup-compatibility/2006">
-        <mc:Choice xmlns:a14="http://schemas.microsoft.com/office/drawing/2010/main" Requires="a14">
+      <mc:AlternateContent xmlns:mc="http://schemas.openxmlformats.org/markup-compatibility/2006" xmlns:a14="http://schemas.microsoft.com/office/drawing/2010/main">
+        <mc:Choice Requires="a14">
           <p:sp>
             <p:nvSpPr>
               <p:cNvPr id="6" name="矩形 5"/>
@@ -20101,7 +21674,7 @@
             </p:txBody>
           </p:sp>
         </mc:Choice>
-        <mc:Fallback>
+        <mc:Fallback xmlns="">
           <p:sp>
             <p:nvSpPr>
               <p:cNvPr id="6" name="矩形 5"/>
@@ -20213,8 +21786,8 @@
           </a:p>
         </p:txBody>
       </p:sp>
-      <mc:AlternateContent xmlns:mc="http://schemas.openxmlformats.org/markup-compatibility/2006">
-        <mc:Choice xmlns:a14="http://schemas.microsoft.com/office/drawing/2010/main" Requires="a14">
+      <mc:AlternateContent xmlns:mc="http://schemas.openxmlformats.org/markup-compatibility/2006" xmlns:a14="http://schemas.microsoft.com/office/drawing/2010/main">
+        <mc:Choice Requires="a14">
           <p:sp>
             <p:nvSpPr>
               <p:cNvPr id="14" name="矩形 13"/>
@@ -20494,7 +22067,7 @@
             </p:txBody>
           </p:sp>
         </mc:Choice>
-        <mc:Fallback>
+        <mc:Fallback xmlns="">
           <p:sp>
             <p:nvSpPr>
               <p:cNvPr id="14" name="矩形 13"/>
@@ -21012,8 +22585,8 @@
           </a:extLst>
         </p:spPr>
       </p:pic>
-      <mc:AlternateContent xmlns:mc="http://schemas.openxmlformats.org/markup-compatibility/2006">
-        <mc:Choice xmlns:a14="http://schemas.microsoft.com/office/drawing/2010/main" Requires="a14">
+      <mc:AlternateContent xmlns:mc="http://schemas.openxmlformats.org/markup-compatibility/2006" xmlns:a14="http://schemas.microsoft.com/office/drawing/2010/main">
+        <mc:Choice Requires="a14">
           <p:sp>
             <p:nvSpPr>
               <p:cNvPr id="6" name="矩形 5"/>
@@ -21213,7 +22786,7 @@
             </p:txBody>
           </p:sp>
         </mc:Choice>
-        <mc:Fallback>
+        <mc:Fallback xmlns="">
           <p:sp>
             <p:nvSpPr>
               <p:cNvPr id="6" name="矩形 5"/>
@@ -21325,8 +22898,8 @@
           </a:p>
         </p:txBody>
       </p:sp>
-      <mc:AlternateContent xmlns:mc="http://schemas.openxmlformats.org/markup-compatibility/2006">
-        <mc:Choice xmlns:a14="http://schemas.microsoft.com/office/drawing/2010/main" Requires="a14">
+      <mc:AlternateContent xmlns:mc="http://schemas.openxmlformats.org/markup-compatibility/2006" xmlns:a14="http://schemas.microsoft.com/office/drawing/2010/main">
+        <mc:Choice Requires="a14">
           <p:sp>
             <p:nvSpPr>
               <p:cNvPr id="14" name="矩形 13"/>
@@ -21606,7 +23179,7 @@
             </p:txBody>
           </p:sp>
         </mc:Choice>
-        <mc:Fallback>
+        <mc:Fallback xmlns="">
           <p:sp>
             <p:nvSpPr>
               <p:cNvPr id="14" name="矩形 13"/>
@@ -22174,8 +23747,8 @@
           </a:extLst>
         </p:spPr>
       </p:pic>
-      <mc:AlternateContent xmlns:mc="http://schemas.openxmlformats.org/markup-compatibility/2006">
-        <mc:Choice xmlns:a14="http://schemas.microsoft.com/office/drawing/2010/main" Requires="a14">
+      <mc:AlternateContent xmlns:mc="http://schemas.openxmlformats.org/markup-compatibility/2006" xmlns:a14="http://schemas.microsoft.com/office/drawing/2010/main">
+        <mc:Choice Requires="a14">
           <p:sp>
             <p:nvSpPr>
               <p:cNvPr id="6" name="矩形 5"/>
@@ -22375,7 +23948,7 @@
             </p:txBody>
           </p:sp>
         </mc:Choice>
-        <mc:Fallback>
+        <mc:Fallback xmlns="">
           <p:sp>
             <p:nvSpPr>
               <p:cNvPr id="6" name="矩形 5"/>
@@ -22487,8 +24060,8 @@
           </a:p>
         </p:txBody>
       </p:sp>
-      <mc:AlternateContent xmlns:mc="http://schemas.openxmlformats.org/markup-compatibility/2006">
-        <mc:Choice xmlns:a14="http://schemas.microsoft.com/office/drawing/2010/main" Requires="a14">
+      <mc:AlternateContent xmlns:mc="http://schemas.openxmlformats.org/markup-compatibility/2006" xmlns:a14="http://schemas.microsoft.com/office/drawing/2010/main">
+        <mc:Choice Requires="a14">
           <p:sp>
             <p:nvSpPr>
               <p:cNvPr id="14" name="矩形 13"/>
@@ -22768,7 +24341,7 @@
             </p:txBody>
           </p:sp>
         </mc:Choice>
-        <mc:Fallback>
+        <mc:Fallback xmlns="">
           <p:sp>
             <p:nvSpPr>
               <p:cNvPr id="14" name="矩形 13"/>
